--- a/Design/design_screens.pptx
+++ b/Design/design_screens.pptx
@@ -6,7 +6,8 @@
   </p:sldMasterIdLst>
   <p:sldIdLst>
     <p:sldId id="257" r:id="rId2"/>
-    <p:sldId id="256" r:id="rId3"/>
+    <p:sldId id="258" r:id="rId3"/>
+    <p:sldId id="256" r:id="rId4"/>
   </p:sldIdLst>
   <p:sldSz cx="12192000" cy="6858000"/>
   <p:notesSz cx="6858000" cy="9144000"/>
@@ -105,6 +106,11 @@
       </a:defRPr>
     </a:lvl9pPr>
   </p:defaultTextStyle>
+  <p:extLst>
+    <p:ext uri="{EFAFB233-063F-42B5-8137-9DF3F51BA10A}">
+      <p15:sldGuideLst xmlns:p15="http://schemas.microsoft.com/office/powerpoint/2012/main"/>
+    </p:ext>
+  </p:extLst>
 </p:presentation>
 </file>
 
@@ -239,7 +245,7 @@
           <a:p>
             <a:fld id="{5C9C5992-1C79-4A1D-8135-B49D80CB40EF}" type="datetimeFigureOut">
               <a:rPr lang="en-US" smtClean="0"/>
-              <a:t>9/21/2018</a:t>
+              <a:t>9/22/2018</a:t>
             </a:fld>
             <a:endParaRPr lang="en-US"/>
           </a:p>
@@ -409,7 +415,7 @@
           <a:p>
             <a:fld id="{5C9C5992-1C79-4A1D-8135-B49D80CB40EF}" type="datetimeFigureOut">
               <a:rPr lang="en-US" smtClean="0"/>
-              <a:t>9/21/2018</a:t>
+              <a:t>9/22/2018</a:t>
             </a:fld>
             <a:endParaRPr lang="en-US"/>
           </a:p>
@@ -589,7 +595,7 @@
           <a:p>
             <a:fld id="{5C9C5992-1C79-4A1D-8135-B49D80CB40EF}" type="datetimeFigureOut">
               <a:rPr lang="en-US" smtClean="0"/>
-              <a:t>9/21/2018</a:t>
+              <a:t>9/22/2018</a:t>
             </a:fld>
             <a:endParaRPr lang="en-US"/>
           </a:p>
@@ -759,7 +765,7 @@
           <a:p>
             <a:fld id="{5C9C5992-1C79-4A1D-8135-B49D80CB40EF}" type="datetimeFigureOut">
               <a:rPr lang="en-US" smtClean="0"/>
-              <a:t>9/21/2018</a:t>
+              <a:t>9/22/2018</a:t>
             </a:fld>
             <a:endParaRPr lang="en-US"/>
           </a:p>
@@ -1005,7 +1011,7 @@
           <a:p>
             <a:fld id="{5C9C5992-1C79-4A1D-8135-B49D80CB40EF}" type="datetimeFigureOut">
               <a:rPr lang="en-US" smtClean="0"/>
-              <a:t>9/21/2018</a:t>
+              <a:t>9/22/2018</a:t>
             </a:fld>
             <a:endParaRPr lang="en-US"/>
           </a:p>
@@ -1237,7 +1243,7 @@
           <a:p>
             <a:fld id="{5C9C5992-1C79-4A1D-8135-B49D80CB40EF}" type="datetimeFigureOut">
               <a:rPr lang="en-US" smtClean="0"/>
-              <a:t>9/21/2018</a:t>
+              <a:t>9/22/2018</a:t>
             </a:fld>
             <a:endParaRPr lang="en-US"/>
           </a:p>
@@ -1604,7 +1610,7 @@
           <a:p>
             <a:fld id="{5C9C5992-1C79-4A1D-8135-B49D80CB40EF}" type="datetimeFigureOut">
               <a:rPr lang="en-US" smtClean="0"/>
-              <a:t>9/21/2018</a:t>
+              <a:t>9/22/2018</a:t>
             </a:fld>
             <a:endParaRPr lang="en-US"/>
           </a:p>
@@ -1722,7 +1728,7 @@
           <a:p>
             <a:fld id="{5C9C5992-1C79-4A1D-8135-B49D80CB40EF}" type="datetimeFigureOut">
               <a:rPr lang="en-US" smtClean="0"/>
-              <a:t>9/21/2018</a:t>
+              <a:t>9/22/2018</a:t>
             </a:fld>
             <a:endParaRPr lang="en-US"/>
           </a:p>
@@ -1817,7 +1823,7 @@
           <a:p>
             <a:fld id="{5C9C5992-1C79-4A1D-8135-B49D80CB40EF}" type="datetimeFigureOut">
               <a:rPr lang="en-US" smtClean="0"/>
-              <a:t>9/21/2018</a:t>
+              <a:t>9/22/2018</a:t>
             </a:fld>
             <a:endParaRPr lang="en-US"/>
           </a:p>
@@ -2094,7 +2100,7 @@
           <a:p>
             <a:fld id="{5C9C5992-1C79-4A1D-8135-B49D80CB40EF}" type="datetimeFigureOut">
               <a:rPr lang="en-US" smtClean="0"/>
-              <a:t>9/21/2018</a:t>
+              <a:t>9/22/2018</a:t>
             </a:fld>
             <a:endParaRPr lang="en-US"/>
           </a:p>
@@ -2347,7 +2353,7 @@
           <a:p>
             <a:fld id="{5C9C5992-1C79-4A1D-8135-B49D80CB40EF}" type="datetimeFigureOut">
               <a:rPr lang="en-US" smtClean="0"/>
-              <a:t>9/21/2018</a:t>
+              <a:t>9/22/2018</a:t>
             </a:fld>
             <a:endParaRPr lang="en-US"/>
           </a:p>
@@ -2560,7 +2566,7 @@
           <a:p>
             <a:fld id="{5C9C5992-1C79-4A1D-8135-B49D80CB40EF}" type="datetimeFigureOut">
               <a:rPr lang="en-US" smtClean="0"/>
-              <a:t>9/21/2018</a:t>
+              <a:t>9/22/2018</a:t>
             </a:fld>
             <a:endParaRPr lang="en-US"/>
           </a:p>
@@ -3026,9 +3032,7 @@
             <a:avLst/>
           </a:prstGeom>
           <a:solidFill>
-            <a:schemeClr val="bg1">
-              <a:lumMod val="85000"/>
-            </a:schemeClr>
+            <a:srgbClr val="E1E1E1"/>
           </a:solidFill>
           <a:ln>
             <a:noFill/>
@@ -3055,29 +3059,234 @@
           <a:lstStyle/>
           <a:p>
             <a:pPr algn="ctr"/>
-            <a:endParaRPr lang="en-US"/>
-          </a:p>
-        </p:txBody>
-      </p:sp>
-      <p:sp>
-        <p:nvSpPr>
-          <p:cNvPr id="6" name="Rectangle 5"/>
-          <p:cNvSpPr/>
+            <a:endParaRPr lang="en-US" dirty="0"/>
+          </a:p>
+        </p:txBody>
+      </p:sp>
+      <p:sp>
+        <p:nvSpPr>
+          <p:cNvPr id="10" name="TextBox 9"/>
+          <p:cNvSpPr txBox="1"/>
           <p:nvPr/>
         </p:nvSpPr>
         <p:spPr>
           <a:xfrm>
-            <a:off x="3482788" y="2433917"/>
-            <a:ext cx="4356847" cy="833717"/>
+            <a:off x="2460810" y="919453"/>
+            <a:ext cx="6140823" cy="646331"/>
           </a:xfrm>
           <a:prstGeom prst="rect">
             <a:avLst/>
           </a:prstGeom>
           <a:solidFill>
-            <a:schemeClr val="bg1"/>
+            <a:schemeClr val="bg1">
+              <a:lumMod val="75000"/>
+            </a:schemeClr>
           </a:solidFill>
           <a:ln>
             <a:noFill/>
+          </a:ln>
+        </p:spPr>
+        <p:txBody>
+          <a:bodyPr wrap="square" rtlCol="0">
+            <a:spAutoFit/>
+          </a:bodyPr>
+          <a:lstStyle/>
+          <a:p>
+            <a:pPr algn="ctr"/>
+            <a:r>
+              <a:rPr lang="en-US" sz="3600" dirty="0" smtClean="0">
+                <a:solidFill>
+                  <a:schemeClr val="tx1">
+                    <a:lumMod val="75000"/>
+                    <a:lumOff val="25000"/>
+                  </a:schemeClr>
+                </a:solidFill>
+              </a:rPr>
+              <a:t>Charity SL</a:t>
+            </a:r>
+            <a:endParaRPr lang="en-US" sz="3600" dirty="0">
+              <a:solidFill>
+                <a:schemeClr val="tx1">
+                  <a:lumMod val="75000"/>
+                  <a:lumOff val="25000"/>
+                </a:schemeClr>
+              </a:solidFill>
+            </a:endParaRPr>
+          </a:p>
+        </p:txBody>
+      </p:sp>
+      <p:sp>
+        <p:nvSpPr>
+          <p:cNvPr id="3" name="TextBox 2"/>
+          <p:cNvSpPr txBox="1"/>
+          <p:nvPr/>
+        </p:nvSpPr>
+        <p:spPr>
+          <a:xfrm>
+            <a:off x="2576481" y="1579802"/>
+            <a:ext cx="5909480" cy="400110"/>
+          </a:xfrm>
+          <a:prstGeom prst="rect">
+            <a:avLst/>
+          </a:prstGeom>
+          <a:noFill/>
+        </p:spPr>
+        <p:txBody>
+          <a:bodyPr wrap="square" rtlCol="0">
+            <a:spAutoFit/>
+          </a:bodyPr>
+          <a:lstStyle/>
+          <a:p>
+            <a:pPr algn="ctr"/>
+            <a:r>
+              <a:rPr lang="en-US" sz="2000" dirty="0" smtClean="0">
+                <a:solidFill>
+                  <a:schemeClr val="bg1">
+                    <a:lumMod val="50000"/>
+                  </a:schemeClr>
+                </a:solidFill>
+              </a:rPr>
+              <a:t>Community of Charity Organizations in Sri Lanka</a:t>
+            </a:r>
+            <a:endParaRPr lang="en-US" sz="2000" dirty="0">
+              <a:solidFill>
+                <a:schemeClr val="bg1">
+                  <a:lumMod val="50000"/>
+                </a:schemeClr>
+              </a:solidFill>
+            </a:endParaRPr>
+          </a:p>
+        </p:txBody>
+      </p:sp>
+      <p:sp>
+        <p:nvSpPr>
+          <p:cNvPr id="11" name="TextBox 10"/>
+          <p:cNvSpPr txBox="1"/>
+          <p:nvPr/>
+        </p:nvSpPr>
+        <p:spPr>
+          <a:xfrm>
+            <a:off x="2692153" y="2141770"/>
+            <a:ext cx="5909480" cy="338554"/>
+          </a:xfrm>
+          <a:prstGeom prst="rect">
+            <a:avLst/>
+          </a:prstGeom>
+          <a:noFill/>
+        </p:spPr>
+        <p:txBody>
+          <a:bodyPr wrap="square" rtlCol="0">
+            <a:spAutoFit/>
+          </a:bodyPr>
+          <a:lstStyle/>
+          <a:p>
+            <a:pPr algn="ctr"/>
+            <a:r>
+              <a:rPr lang="en-US" sz="1600" dirty="0" smtClean="0">
+                <a:solidFill>
+                  <a:schemeClr val="bg1">
+                    <a:lumMod val="50000"/>
+                  </a:schemeClr>
+                </a:solidFill>
+              </a:rPr>
+              <a:t>Join with Us Now</a:t>
+            </a:r>
+            <a:endParaRPr lang="en-US" sz="1600" dirty="0">
+              <a:solidFill>
+                <a:schemeClr val="bg1">
+                  <a:lumMod val="50000"/>
+                </a:schemeClr>
+              </a:solidFill>
+            </a:endParaRPr>
+          </a:p>
+        </p:txBody>
+      </p:sp>
+      <p:pic>
+        <p:nvPicPr>
+          <p:cNvPr id="13" name="Picture 12"/>
+          <p:cNvPicPr>
+            <a:picLocks noChangeAspect="1"/>
+          </p:cNvPicPr>
+          <p:nvPr/>
+        </p:nvPicPr>
+        <p:blipFill>
+          <a:blip r:embed="rId2">
+            <a:extLst>
+              <a:ext uri="{28A0092B-C50C-407E-A947-70E740481C1C}">
+                <a14:useLocalDpi xmlns:a14="http://schemas.microsoft.com/office/drawing/2010/main" val="0"/>
+              </a:ext>
+            </a:extLst>
+          </a:blip>
+          <a:stretch>
+            <a:fillRect/>
+          </a:stretch>
+        </p:blipFill>
+        <p:spPr>
+          <a:xfrm>
+            <a:off x="3885614" y="2480324"/>
+            <a:ext cx="3522558" cy="1715989"/>
+          </a:xfrm>
+          <a:prstGeom prst="rect">
+            <a:avLst/>
+          </a:prstGeom>
+          <a:solidFill>
+            <a:srgbClr val="E1E1E1"/>
+          </a:solidFill>
+        </p:spPr>
+      </p:pic>
+    </p:spTree>
+    <p:extLst>
+      <p:ext uri="{BB962C8B-B14F-4D97-AF65-F5344CB8AC3E}">
+        <p14:creationId xmlns:p14="http://schemas.microsoft.com/office/powerpoint/2010/main" val="1345327657"/>
+      </p:ext>
+    </p:extLst>
+  </p:cSld>
+  <p:clrMapOvr>
+    <a:masterClrMapping/>
+  </p:clrMapOvr>
+</p:sld>
+</file>
+
+<file path=ppt/slides/slide2.xml><?xml version="1.0" encoding="utf-8"?>
+<p:sld xmlns:a="http://schemas.openxmlformats.org/drawingml/2006/main" xmlns:r="http://schemas.openxmlformats.org/officeDocument/2006/relationships" xmlns:p="http://schemas.openxmlformats.org/presentationml/2006/main">
+  <p:cSld>
+    <p:spTree>
+      <p:nvGrpSpPr>
+        <p:cNvPr id="1" name=""/>
+        <p:cNvGrpSpPr/>
+        <p:nvPr/>
+      </p:nvGrpSpPr>
+      <p:grpSpPr>
+        <a:xfrm>
+          <a:off x="0" y="0"/>
+          <a:ext cx="0" cy="0"/>
+          <a:chOff x="0" y="0"/>
+          <a:chExt cx="0" cy="0"/>
+        </a:xfrm>
+      </p:grpSpPr>
+      <p:sp>
+        <p:nvSpPr>
+          <p:cNvPr id="4" name="Rectangle 3"/>
+          <p:cNvSpPr/>
+          <p:nvPr/>
+        </p:nvSpPr>
+        <p:spPr>
+          <a:xfrm>
+            <a:off x="618565" y="242046"/>
+            <a:ext cx="10013575" cy="578224"/>
+          </a:xfrm>
+          <a:prstGeom prst="rect">
+            <a:avLst/>
+          </a:prstGeom>
+          <a:solidFill>
+            <a:srgbClr val="6AC6AE"/>
+          </a:solidFill>
+          <a:ln>
+            <a:solidFill>
+              <a:schemeClr val="bg1">
+                <a:lumMod val="95000"/>
+              </a:schemeClr>
+            </a:solidFill>
           </a:ln>
         </p:spPr>
         <p:style>
@@ -3101,49 +3310,135 @@
           <a:lstStyle/>
           <a:p>
             <a:pPr algn="ctr"/>
-            <a:r>
-              <a:rPr lang="en-US" sz="3600" dirty="0" smtClean="0">
-                <a:solidFill>
-                  <a:schemeClr val="tx1">
-                    <a:lumMod val="75000"/>
-                    <a:lumOff val="25000"/>
-                  </a:schemeClr>
-                </a:solidFill>
-              </a:rPr>
-              <a:t>775555562</a:t>
-            </a:r>
-            <a:endParaRPr lang="en-US" sz="3600" dirty="0">
-              <a:solidFill>
-                <a:schemeClr val="tx1">
-                  <a:lumMod val="75000"/>
-                  <a:lumOff val="25000"/>
-                </a:schemeClr>
-              </a:solidFill>
-            </a:endParaRPr>
-          </a:p>
-        </p:txBody>
-      </p:sp>
-      <p:sp>
-        <p:nvSpPr>
-          <p:cNvPr id="7" name="Rectangle 6"/>
-          <p:cNvSpPr/>
+            <a:endParaRPr lang="en-US"/>
+          </a:p>
+        </p:txBody>
+      </p:sp>
+      <p:pic>
+        <p:nvPicPr>
+          <p:cNvPr id="5" name="Picture 4"/>
+          <p:cNvPicPr>
+            <a:picLocks noChangeAspect="1"/>
+          </p:cNvPicPr>
           <p:nvPr/>
-        </p:nvSpPr>
+        </p:nvPicPr>
+        <p:blipFill>
+          <a:blip r:embed="rId2" cstate="print">
+            <a:extLst>
+              <a:ext uri="{28A0092B-C50C-407E-A947-70E740481C1C}">
+                <a14:useLocalDpi xmlns:a14="http://schemas.microsoft.com/office/drawing/2010/main" val="0"/>
+              </a:ext>
+            </a:extLst>
+          </a:blip>
+          <a:stretch>
+            <a:fillRect/>
+          </a:stretch>
+        </p:blipFill>
         <p:spPr>
           <a:xfrm>
-            <a:off x="4531659" y="3415553"/>
-            <a:ext cx="2097741" cy="685800"/>
+            <a:off x="7342094" y="309281"/>
+            <a:ext cx="457200" cy="457200"/>
           </a:xfrm>
           <a:prstGeom prst="rect">
             <a:avLst/>
           </a:prstGeom>
-          <a:solidFill>
-            <a:schemeClr val="bg1">
-              <a:lumMod val="65000"/>
-            </a:schemeClr>
-          </a:solidFill>
+        </p:spPr>
+      </p:pic>
+      <p:sp>
+        <p:nvSpPr>
+          <p:cNvPr id="6" name="TextBox 5"/>
+          <p:cNvSpPr txBox="1"/>
+          <p:nvPr/>
+        </p:nvSpPr>
+        <p:spPr>
+          <a:xfrm>
+            <a:off x="7799294" y="329908"/>
+            <a:ext cx="1855694" cy="369332"/>
+          </a:xfrm>
+          <a:prstGeom prst="rect">
+            <a:avLst/>
+          </a:prstGeom>
+          <a:noFill/>
+        </p:spPr>
+        <p:txBody>
+          <a:bodyPr wrap="square" rtlCol="0">
+            <a:spAutoFit/>
+          </a:bodyPr>
+          <a:lstStyle/>
+          <a:p>
+            <a:r>
+              <a:rPr lang="en-US" dirty="0" smtClean="0">
+                <a:solidFill>
+                  <a:schemeClr val="tx1">
+                    <a:lumMod val="85000"/>
+                    <a:lumOff val="15000"/>
+                  </a:schemeClr>
+                </a:solidFill>
+              </a:rPr>
+              <a:t>BUWANEKA</a:t>
+            </a:r>
+            <a:endParaRPr lang="en-US" dirty="0">
+              <a:solidFill>
+                <a:schemeClr val="tx1">
+                  <a:lumMod val="85000"/>
+                  <a:lumOff val="15000"/>
+                </a:schemeClr>
+              </a:solidFill>
+            </a:endParaRPr>
+          </a:p>
+        </p:txBody>
+      </p:sp>
+      <p:pic>
+        <p:nvPicPr>
+          <p:cNvPr id="7" name="Picture 6"/>
+          <p:cNvPicPr>
+            <a:picLocks noChangeAspect="1"/>
+          </p:cNvPicPr>
+          <p:nvPr/>
+        </p:nvPicPr>
+        <p:blipFill>
+          <a:blip r:embed="rId3" cstate="print">
+            <a:extLst>
+              <a:ext uri="{28A0092B-C50C-407E-A947-70E740481C1C}">
+                <a14:useLocalDpi xmlns:a14="http://schemas.microsoft.com/office/drawing/2010/main" val="0"/>
+              </a:ext>
+            </a:extLst>
+          </a:blip>
+          <a:stretch>
+            <a:fillRect/>
+          </a:stretch>
+        </p:blipFill>
+        <p:spPr>
+          <a:xfrm>
+            <a:off x="10112188" y="339530"/>
+            <a:ext cx="450477" cy="450477"/>
+          </a:xfrm>
+          <a:prstGeom prst="rect">
+            <a:avLst/>
+          </a:prstGeom>
+        </p:spPr>
+      </p:pic>
+      <p:sp>
+        <p:nvSpPr>
+          <p:cNvPr id="2" name="Rectangle 1"/>
+          <p:cNvSpPr/>
+          <p:nvPr/>
+        </p:nvSpPr>
+        <p:spPr>
+          <a:xfrm>
+            <a:off x="8377518" y="820271"/>
+            <a:ext cx="2254622" cy="5997388"/>
+          </a:xfrm>
+          <a:prstGeom prst="rect">
+            <a:avLst/>
+          </a:prstGeom>
+          <a:noFill/>
           <a:ln>
-            <a:noFill/>
+            <a:solidFill>
+              <a:schemeClr val="bg1">
+                <a:lumMod val="65000"/>
+              </a:schemeClr>
+            </a:solidFill>
           </a:ln>
         </p:spPr>
         <p:style>
@@ -3167,25 +3462,7 @@
           <a:lstStyle/>
           <a:p>
             <a:pPr algn="ctr"/>
-            <a:r>
-              <a:rPr lang="en-US" sz="2800" dirty="0" smtClean="0">
-                <a:solidFill>
-                  <a:schemeClr val="tx1">
-                    <a:lumMod val="75000"/>
-                    <a:lumOff val="25000"/>
-                  </a:schemeClr>
-                </a:solidFill>
-              </a:rPr>
-              <a:t>LOGIN</a:t>
-            </a:r>
-            <a:endParaRPr lang="en-US" dirty="0">
-              <a:solidFill>
-                <a:schemeClr val="tx1">
-                  <a:lumMod val="75000"/>
-                  <a:lumOff val="25000"/>
-                </a:schemeClr>
-              </a:solidFill>
-            </a:endParaRPr>
+            <a:endParaRPr lang="en-US"/>
           </a:p>
         </p:txBody>
       </p:sp>
@@ -3197,8 +3474,8 @@
         </p:nvSpPr>
         <p:spPr>
           <a:xfrm>
-            <a:off x="3482787" y="2022466"/>
-            <a:ext cx="4356847" cy="369332"/>
+            <a:off x="8377518" y="1968349"/>
+            <a:ext cx="2185147" cy="1077218"/>
           </a:xfrm>
           <a:prstGeom prst="rect">
             <a:avLst/>
@@ -3211,26 +3488,51 @@
           </a:bodyPr>
           <a:lstStyle/>
           <a:p>
-            <a:pPr algn="ctr"/>
-            <a:r>
-              <a:rPr lang="en-US" dirty="0" smtClean="0">
-                <a:solidFill>
-                  <a:schemeClr val="tx1">
-                    <a:lumMod val="75000"/>
-                    <a:lumOff val="25000"/>
-                  </a:schemeClr>
-                </a:solidFill>
-              </a:rPr>
-              <a:t>Join with Us Simply with your Mobile No</a:t>
-            </a:r>
-            <a:endParaRPr lang="en-US" dirty="0">
-              <a:solidFill>
-                <a:schemeClr val="tx1">
-                  <a:lumMod val="75000"/>
-                  <a:lumOff val="25000"/>
-                </a:schemeClr>
-              </a:solidFill>
-            </a:endParaRPr>
+            <a:pPr marL="285750" indent="-285750">
+              <a:buFont typeface="Arial" panose="020B0604020202020204" pitchFamily="34" charset="0"/>
+              <a:buChar char="•"/>
+            </a:pPr>
+            <a:r>
+              <a:rPr lang="en-US" sz="1600" dirty="0" smtClean="0"/>
+              <a:t>All</a:t>
+            </a:r>
+          </a:p>
+          <a:p>
+            <a:pPr marL="742950" lvl="1" indent="-285750">
+              <a:buFont typeface="Arial" panose="020B0604020202020204" pitchFamily="34" charset="0"/>
+              <a:buChar char="•"/>
+            </a:pPr>
+            <a:r>
+              <a:rPr lang="en-US" sz="1600" dirty="0" smtClean="0"/>
+              <a:t>Team </a:t>
+            </a:r>
+            <a:r>
+              <a:rPr lang="en-US" sz="1600" dirty="0" err="1" smtClean="0"/>
+              <a:t>Sathkara</a:t>
+            </a:r>
+            <a:endParaRPr lang="en-US" sz="1600" dirty="0" smtClean="0"/>
+          </a:p>
+          <a:p>
+            <a:pPr marL="742950" lvl="1" indent="-285750">
+              <a:buFont typeface="Arial" panose="020B0604020202020204" pitchFamily="34" charset="0"/>
+              <a:buChar char="•"/>
+            </a:pPr>
+            <a:r>
+              <a:rPr lang="en-US" sz="1600" dirty="0" err="1" smtClean="0"/>
+              <a:t>Parami</a:t>
+            </a:r>
+            <a:endParaRPr lang="en-US" sz="1600" dirty="0" smtClean="0"/>
+          </a:p>
+          <a:p>
+            <a:pPr marL="742950" lvl="1" indent="-285750">
+              <a:buFont typeface="Arial" panose="020B0604020202020204" pitchFamily="34" charset="0"/>
+              <a:buChar char="•"/>
+            </a:pPr>
+            <a:r>
+              <a:rPr lang="en-US" sz="1600" dirty="0" smtClean="0"/>
+              <a:t>Needy Readers</a:t>
+            </a:r>
+            <a:endParaRPr lang="en-US" sz="1600" dirty="0"/>
           </a:p>
         </p:txBody>
       </p:sp>
@@ -3242,8 +3544,8 @@
         </p:nvSpPr>
         <p:spPr>
           <a:xfrm>
-            <a:off x="5531220" y="1046362"/>
-            <a:ext cx="2393576" cy="646331"/>
+            <a:off x="1748117" y="941294"/>
+            <a:ext cx="4710230" cy="524435"/>
           </a:xfrm>
           <a:prstGeom prst="rect">
             <a:avLst/>
@@ -3263,84 +3565,1925 @@
           </a:bodyPr>
           <a:lstStyle/>
           <a:p>
-            <a:r>
-              <a:rPr lang="si-LK" sz="3600" dirty="0" smtClean="0">
-                <a:solidFill>
-                  <a:schemeClr val="tx1">
-                    <a:lumMod val="75000"/>
-                    <a:lumOff val="25000"/>
-                  </a:schemeClr>
-                </a:solidFill>
-              </a:rPr>
-              <a:t>සත්කාර</a:t>
-            </a:r>
-            <a:endParaRPr lang="en-US" sz="3600" dirty="0">
-              <a:solidFill>
-                <a:schemeClr val="tx1">
-                  <a:lumMod val="75000"/>
-                  <a:lumOff val="25000"/>
-                </a:schemeClr>
-              </a:solidFill>
-            </a:endParaRPr>
-          </a:p>
-        </p:txBody>
-      </p:sp>
-      <p:sp>
-        <p:nvSpPr>
-          <p:cNvPr id="10" name="TextBox 9"/>
+            <a:endParaRPr lang="en-US" dirty="0"/>
+          </a:p>
+        </p:txBody>
+      </p:sp>
+      <p:sp>
+        <p:nvSpPr>
+          <p:cNvPr id="13" name="Rounded Rectangle 12"/>
+          <p:cNvSpPr/>
+          <p:nvPr/>
+        </p:nvSpPr>
+        <p:spPr>
+          <a:xfrm>
+            <a:off x="6562165" y="941294"/>
+            <a:ext cx="1492623" cy="524435"/>
+          </a:xfrm>
+          <a:prstGeom prst="roundRect">
+            <a:avLst/>
+          </a:prstGeom>
+          <a:solidFill>
+            <a:srgbClr val="6AC6AE"/>
+          </a:solidFill>
+        </p:spPr>
+        <p:style>
+          <a:lnRef idx="2">
+            <a:schemeClr val="accent1">
+              <a:shade val="50000"/>
+            </a:schemeClr>
+          </a:lnRef>
+          <a:fillRef idx="1">
+            <a:schemeClr val="accent1"/>
+          </a:fillRef>
+          <a:effectRef idx="0">
+            <a:schemeClr val="accent1"/>
+          </a:effectRef>
+          <a:fontRef idx="minor">
+            <a:schemeClr val="lt1"/>
+          </a:fontRef>
+        </p:style>
+        <p:txBody>
+          <a:bodyPr rtlCol="0" anchor="ctr"/>
+          <a:lstStyle/>
+          <a:p>
+            <a:pPr algn="ctr"/>
+            <a:r>
+              <a:rPr lang="en-US" dirty="0" smtClean="0"/>
+              <a:t>SEARCH</a:t>
+            </a:r>
+            <a:endParaRPr lang="en-US" dirty="0"/>
+          </a:p>
+        </p:txBody>
+      </p:sp>
+      <p:sp>
+        <p:nvSpPr>
+          <p:cNvPr id="45" name="Rectangle 44"/>
+          <p:cNvSpPr/>
+          <p:nvPr/>
+        </p:nvSpPr>
+        <p:spPr>
+          <a:xfrm>
+            <a:off x="2568388" y="1604579"/>
+            <a:ext cx="1049674" cy="259514"/>
+          </a:xfrm>
+          <a:prstGeom prst="rect">
+            <a:avLst/>
+          </a:prstGeom>
+          <a:solidFill>
+            <a:schemeClr val="bg1">
+              <a:lumMod val="95000"/>
+            </a:schemeClr>
+          </a:solidFill>
+          <a:ln>
+            <a:solidFill>
+              <a:schemeClr val="bg1">
+                <a:lumMod val="85000"/>
+              </a:schemeClr>
+            </a:solidFill>
+          </a:ln>
+        </p:spPr>
+        <p:style>
+          <a:lnRef idx="2">
+            <a:schemeClr val="accent1">
+              <a:shade val="50000"/>
+            </a:schemeClr>
+          </a:lnRef>
+          <a:fillRef idx="1">
+            <a:schemeClr val="accent1"/>
+          </a:fillRef>
+          <a:effectRef idx="0">
+            <a:schemeClr val="accent1"/>
+          </a:effectRef>
+          <a:fontRef idx="minor">
+            <a:schemeClr val="lt1"/>
+          </a:fontRef>
+        </p:style>
+        <p:txBody>
+          <a:bodyPr rtlCol="0" anchor="ctr"/>
+          <a:lstStyle/>
+          <a:p>
+            <a:pPr algn="ctr"/>
+            <a:endParaRPr lang="en-US"/>
+          </a:p>
+        </p:txBody>
+      </p:sp>
+      <p:sp>
+        <p:nvSpPr>
+          <p:cNvPr id="46" name="TextBox 45"/>
           <p:cNvSpPr txBox="1"/>
           <p:nvPr/>
         </p:nvSpPr>
         <p:spPr>
           <a:xfrm>
-            <a:off x="3406585" y="1046362"/>
-            <a:ext cx="2124634" cy="646331"/>
+            <a:off x="1707244" y="1531991"/>
+            <a:ext cx="916849" cy="369332"/>
           </a:xfrm>
           <a:prstGeom prst="rect">
             <a:avLst/>
           </a:prstGeom>
           <a:noFill/>
-          <a:ln>
+        </p:spPr>
+        <p:txBody>
+          <a:bodyPr wrap="square" rtlCol="0">
+            <a:spAutoFit/>
+          </a:bodyPr>
+          <a:lstStyle/>
+          <a:p>
+            <a:r>
+              <a:rPr lang="en-US" dirty="0" smtClean="0"/>
+              <a:t>Sort By</a:t>
+            </a:r>
+            <a:endParaRPr lang="en-US" dirty="0"/>
+          </a:p>
+        </p:txBody>
+      </p:sp>
+      <p:sp>
+        <p:nvSpPr>
+          <p:cNvPr id="47" name="Down Arrow 46"/>
+          <p:cNvSpPr/>
+          <p:nvPr/>
+        </p:nvSpPr>
+        <p:spPr>
+          <a:xfrm>
+            <a:off x="3455894" y="1604579"/>
+            <a:ext cx="162168" cy="259514"/>
+          </a:xfrm>
+          <a:prstGeom prst="downArrow">
+            <a:avLst/>
+          </a:prstGeom>
+        </p:spPr>
+        <p:style>
+          <a:lnRef idx="2">
+            <a:schemeClr val="accent1">
+              <a:shade val="50000"/>
+            </a:schemeClr>
+          </a:lnRef>
+          <a:fillRef idx="1">
+            <a:schemeClr val="accent1"/>
+          </a:fillRef>
+          <a:effectRef idx="0">
+            <a:schemeClr val="accent1"/>
+          </a:effectRef>
+          <a:fontRef idx="minor">
+            <a:schemeClr val="lt1"/>
+          </a:fontRef>
+        </p:style>
+        <p:txBody>
+          <a:bodyPr rtlCol="0" anchor="ctr"/>
+          <a:lstStyle/>
+          <a:p>
+            <a:pPr algn="ctr"/>
+            <a:endParaRPr lang="en-US"/>
+          </a:p>
+        </p:txBody>
+      </p:sp>
+      <p:sp>
+        <p:nvSpPr>
+          <p:cNvPr id="49" name="Rectangle 48"/>
+          <p:cNvSpPr/>
+          <p:nvPr/>
+        </p:nvSpPr>
+        <p:spPr>
+          <a:xfrm>
+            <a:off x="8488908" y="961147"/>
+            <a:ext cx="2073758" cy="335762"/>
+          </a:xfrm>
+          <a:prstGeom prst="rect">
+            <a:avLst/>
+          </a:prstGeom>
+          <a:solidFill>
+            <a:srgbClr val="6AC6AE"/>
+          </a:solidFill>
+        </p:spPr>
+        <p:style>
+          <a:lnRef idx="2">
+            <a:schemeClr val="accent1">
+              <a:shade val="50000"/>
+            </a:schemeClr>
+          </a:lnRef>
+          <a:fillRef idx="1">
+            <a:schemeClr val="accent1"/>
+          </a:fillRef>
+          <a:effectRef idx="0">
+            <a:schemeClr val="accent1"/>
+          </a:effectRef>
+          <a:fontRef idx="minor">
+            <a:schemeClr val="lt1"/>
+          </a:fontRef>
+        </p:style>
+        <p:txBody>
+          <a:bodyPr rtlCol="0" anchor="ctr"/>
+          <a:lstStyle/>
+          <a:p>
+            <a:pPr algn="ctr"/>
+            <a:r>
+              <a:rPr lang="en-US" dirty="0" smtClean="0"/>
+              <a:t>Create Event</a:t>
+            </a:r>
+            <a:endParaRPr lang="en-US" dirty="0"/>
+          </a:p>
+        </p:txBody>
+      </p:sp>
+      <p:grpSp>
+        <p:nvGrpSpPr>
+          <p:cNvPr id="68" name="Group 67"/>
+          <p:cNvGrpSpPr/>
+          <p:nvPr/>
+        </p:nvGrpSpPr>
+        <p:grpSpPr>
+          <a:xfrm>
+            <a:off x="618565" y="820270"/>
+            <a:ext cx="685800" cy="5997389"/>
+            <a:chOff x="618565" y="820270"/>
+            <a:chExt cx="685800" cy="5997389"/>
+          </a:xfrm>
+        </p:grpSpPr>
+        <p:sp>
+          <p:nvSpPr>
+            <p:cNvPr id="10" name="Rectangle 9"/>
+            <p:cNvSpPr/>
+            <p:nvPr/>
+          </p:nvSpPr>
+          <p:spPr>
+            <a:xfrm>
+              <a:off x="618565" y="820270"/>
+              <a:ext cx="685800" cy="5997389"/>
+            </a:xfrm>
+            <a:prstGeom prst="rect">
+              <a:avLst/>
+            </a:prstGeom>
+            <a:solidFill>
+              <a:schemeClr val="bg1">
+                <a:lumMod val="85000"/>
+              </a:schemeClr>
+            </a:solidFill>
+            <a:ln>
+              <a:noFill/>
+            </a:ln>
+          </p:spPr>
+          <p:style>
+            <a:lnRef idx="2">
+              <a:schemeClr val="accent1">
+                <a:shade val="50000"/>
+              </a:schemeClr>
+            </a:lnRef>
+            <a:fillRef idx="1">
+              <a:schemeClr val="accent1"/>
+            </a:fillRef>
+            <a:effectRef idx="0">
+              <a:schemeClr val="accent1"/>
+            </a:effectRef>
+            <a:fontRef idx="minor">
+              <a:schemeClr val="lt1"/>
+            </a:fontRef>
+          </p:style>
+          <p:txBody>
+            <a:bodyPr rtlCol="0" anchor="ctr"/>
+            <a:lstStyle/>
+            <a:p>
+              <a:pPr algn="ctr"/>
+              <a:endParaRPr lang="en-US"/>
+            </a:p>
+          </p:txBody>
+        </p:sp>
+        <p:pic>
+          <p:nvPicPr>
+            <p:cNvPr id="26" name="Picture 25"/>
+            <p:cNvPicPr>
+              <a:picLocks noChangeAspect="1"/>
+            </p:cNvPicPr>
+            <p:nvPr/>
+          </p:nvPicPr>
+          <p:blipFill>
+            <a:blip r:embed="rId4" cstate="print">
+              <a:extLst>
+                <a:ext uri="{28A0092B-C50C-407E-A947-70E740481C1C}">
+                  <a14:useLocalDpi xmlns:a14="http://schemas.microsoft.com/office/drawing/2010/main" val="0"/>
+                </a:ext>
+              </a:extLst>
+            </a:blip>
+            <a:stretch>
+              <a:fillRect/>
+            </a:stretch>
+          </p:blipFill>
+          <p:spPr>
+            <a:xfrm>
+              <a:off x="738476" y="5262455"/>
+              <a:ext cx="426625" cy="555807"/>
+            </a:xfrm>
+            <a:prstGeom prst="rect">
+              <a:avLst/>
+            </a:prstGeom>
+          </p:spPr>
+        </p:pic>
+        <p:pic>
+          <p:nvPicPr>
+            <p:cNvPr id="27" name="Picture 26"/>
+            <p:cNvPicPr>
+              <a:picLocks noChangeAspect="1"/>
+            </p:cNvPicPr>
+            <p:nvPr/>
+          </p:nvPicPr>
+          <p:blipFill>
+            <a:blip r:embed="rId5" cstate="print">
+              <a:extLst>
+                <a:ext uri="{28A0092B-C50C-407E-A947-70E740481C1C}">
+                  <a14:useLocalDpi xmlns:a14="http://schemas.microsoft.com/office/drawing/2010/main" val="0"/>
+                </a:ext>
+              </a:extLst>
+            </a:blip>
+            <a:stretch>
+              <a:fillRect/>
+            </a:stretch>
+          </p:blipFill>
+          <p:spPr>
+            <a:xfrm>
+              <a:off x="684463" y="3113946"/>
+              <a:ext cx="569259" cy="569259"/>
+            </a:xfrm>
+            <a:prstGeom prst="rect">
+              <a:avLst/>
+            </a:prstGeom>
+          </p:spPr>
+        </p:pic>
+        <p:pic>
+          <p:nvPicPr>
+            <p:cNvPr id="28" name="Picture 27"/>
+            <p:cNvPicPr>
+              <a:picLocks noChangeAspect="1"/>
+            </p:cNvPicPr>
+            <p:nvPr/>
+          </p:nvPicPr>
+          <p:blipFill>
+            <a:blip r:embed="rId6" cstate="print">
+              <a:extLst>
+                <a:ext uri="{28A0092B-C50C-407E-A947-70E740481C1C}">
+                  <a14:useLocalDpi xmlns:a14="http://schemas.microsoft.com/office/drawing/2010/main" val="0"/>
+                </a:ext>
+              </a:extLst>
+            </a:blip>
+            <a:stretch>
+              <a:fillRect/>
+            </a:stretch>
+          </p:blipFill>
+          <p:spPr>
+            <a:xfrm>
+              <a:off x="703032" y="3793620"/>
+              <a:ext cx="532123" cy="532123"/>
+            </a:xfrm>
+            <a:prstGeom prst="rect">
+              <a:avLst/>
+            </a:prstGeom>
+          </p:spPr>
+        </p:pic>
+        <p:pic>
+          <p:nvPicPr>
+            <p:cNvPr id="30" name="Picture 29"/>
+            <p:cNvPicPr>
+              <a:picLocks noChangeAspect="1"/>
+            </p:cNvPicPr>
+            <p:nvPr/>
+          </p:nvPicPr>
+          <p:blipFill>
+            <a:blip r:embed="rId7" cstate="print">
+              <a:biLevel thresh="50000"/>
+              <a:extLst>
+                <a:ext uri="{28A0092B-C50C-407E-A947-70E740481C1C}">
+                  <a14:useLocalDpi xmlns:a14="http://schemas.microsoft.com/office/drawing/2010/main" val="0"/>
+                </a:ext>
+              </a:extLst>
+            </a:blip>
+            <a:stretch>
+              <a:fillRect/>
+            </a:stretch>
+          </p:blipFill>
+          <p:spPr>
+            <a:xfrm>
+              <a:off x="693729" y="2506958"/>
+              <a:ext cx="569259" cy="569259"/>
+            </a:xfrm>
+            <a:prstGeom prst="rect">
+              <a:avLst/>
+            </a:prstGeom>
+          </p:spPr>
+        </p:pic>
+        <p:grpSp>
+          <p:nvGrpSpPr>
+            <p:cNvPr id="43" name="Group 42"/>
+            <p:cNvGrpSpPr/>
+            <p:nvPr/>
+          </p:nvGrpSpPr>
+          <p:grpSpPr>
+            <a:xfrm>
+              <a:off x="715552" y="1791505"/>
+              <a:ext cx="487431" cy="715453"/>
+              <a:chOff x="3649861" y="4967710"/>
+              <a:chExt cx="581945" cy="959741"/>
+            </a:xfrm>
+          </p:grpSpPr>
+          <p:grpSp>
+            <p:nvGrpSpPr>
+              <p:cNvPr id="42" name="Group 41"/>
+              <p:cNvGrpSpPr/>
+              <p:nvPr/>
+            </p:nvGrpSpPr>
+            <p:grpSpPr>
+              <a:xfrm>
+                <a:off x="3649861" y="4967710"/>
+                <a:ext cx="581945" cy="959741"/>
+                <a:chOff x="3649861" y="4967710"/>
+                <a:chExt cx="581945" cy="959741"/>
+              </a:xfrm>
+            </p:grpSpPr>
+            <p:grpSp>
+              <p:nvGrpSpPr>
+                <p:cNvPr id="41" name="Group 40"/>
+                <p:cNvGrpSpPr/>
+                <p:nvPr/>
+              </p:nvGrpSpPr>
+              <p:grpSpPr>
+                <a:xfrm>
+                  <a:off x="3649861" y="4967710"/>
+                  <a:ext cx="581945" cy="959741"/>
+                  <a:chOff x="4624308" y="4972821"/>
+                  <a:chExt cx="581945" cy="959741"/>
+                </a:xfrm>
+              </p:grpSpPr>
+              <p:pic>
+                <p:nvPicPr>
+                  <p:cNvPr id="32" name="Picture 31"/>
+                  <p:cNvPicPr>
+                    <a:picLocks noChangeAspect="1"/>
+                  </p:cNvPicPr>
+                  <p:nvPr/>
+                </p:nvPicPr>
+                <p:blipFill>
+                  <a:blip r:embed="rId8" cstate="print">
+                    <a:biLevel thresh="50000"/>
+                    <a:extLst>
+                      <a:ext uri="{28A0092B-C50C-407E-A947-70E740481C1C}">
+                        <a14:useLocalDpi xmlns:a14="http://schemas.microsoft.com/office/drawing/2010/main" val="0"/>
+                      </a:ext>
+                    </a:extLst>
+                  </a:blip>
+                  <a:stretch>
+                    <a:fillRect/>
+                  </a:stretch>
+                </p:blipFill>
+                <p:spPr>
+                  <a:xfrm>
+                    <a:off x="4636994" y="4972821"/>
+                    <a:ext cx="569259" cy="569259"/>
+                  </a:xfrm>
+                  <a:prstGeom prst="rect">
+                    <a:avLst/>
+                  </a:prstGeom>
+                </p:spPr>
+              </p:pic>
+              <p:pic>
+                <p:nvPicPr>
+                  <p:cNvPr id="38" name="Picture 37"/>
+                  <p:cNvPicPr>
+                    <a:picLocks noChangeAspect="1"/>
+                  </p:cNvPicPr>
+                  <p:nvPr/>
+                </p:nvPicPr>
+                <p:blipFill>
+                  <a:blip r:embed="rId5" cstate="print">
+                    <a:extLst>
+                      <a:ext uri="{28A0092B-C50C-407E-A947-70E740481C1C}">
+                        <a14:useLocalDpi xmlns:a14="http://schemas.microsoft.com/office/drawing/2010/main" val="0"/>
+                      </a:ext>
+                    </a:extLst>
+                  </a:blip>
+                  <a:stretch>
+                    <a:fillRect/>
+                  </a:stretch>
+                </p:blipFill>
+                <p:spPr>
+                  <a:xfrm>
+                    <a:off x="4624308" y="5363303"/>
+                    <a:ext cx="569259" cy="569259"/>
+                  </a:xfrm>
+                  <a:prstGeom prst="rect">
+                    <a:avLst/>
+                  </a:prstGeom>
+                </p:spPr>
+              </p:pic>
+            </p:grpSp>
+            <p:sp>
+              <p:nvSpPr>
+                <p:cNvPr id="39" name="Freeform 38"/>
+                <p:cNvSpPr/>
+                <p:nvPr/>
+              </p:nvSpPr>
+              <p:spPr>
+                <a:xfrm>
+                  <a:off x="3709359" y="5400136"/>
+                  <a:ext cx="51759" cy="94890"/>
+                </a:xfrm>
+                <a:custGeom>
+                  <a:avLst/>
+                  <a:gdLst>
+                    <a:gd name="connsiteX0" fmla="*/ 0 w 51759"/>
+                    <a:gd name="connsiteY0" fmla="*/ 0 h 94890"/>
+                    <a:gd name="connsiteX1" fmla="*/ 34506 w 51759"/>
+                    <a:gd name="connsiteY1" fmla="*/ 86264 h 94890"/>
+                    <a:gd name="connsiteX2" fmla="*/ 51759 w 51759"/>
+                    <a:gd name="connsiteY2" fmla="*/ 94890 h 94890"/>
+                  </a:gdLst>
+                  <a:ahLst/>
+                  <a:cxnLst>
+                    <a:cxn ang="0">
+                      <a:pos x="connsiteX0" y="connsiteY0"/>
+                    </a:cxn>
+                    <a:cxn ang="0">
+                      <a:pos x="connsiteX1" y="connsiteY1"/>
+                    </a:cxn>
+                    <a:cxn ang="0">
+                      <a:pos x="connsiteX2" y="connsiteY2"/>
+                    </a:cxn>
+                  </a:cxnLst>
+                  <a:rect l="l" t="t" r="r" b="b"/>
+                  <a:pathLst>
+                    <a:path w="51759" h="94890">
+                      <a:moveTo>
+                        <a:pt x="0" y="0"/>
+                      </a:moveTo>
+                      <a:cubicBezTo>
+                        <a:pt x="9003" y="72017"/>
+                        <a:pt x="-10255" y="59408"/>
+                        <a:pt x="34506" y="86264"/>
+                      </a:cubicBezTo>
+                      <a:cubicBezTo>
+                        <a:pt x="40019" y="89572"/>
+                        <a:pt x="46008" y="92015"/>
+                        <a:pt x="51759" y="94890"/>
+                      </a:cubicBezTo>
+                    </a:path>
+                  </a:pathLst>
+                </a:custGeom>
+                <a:noFill/>
+                <a:ln w="19050">
+                  <a:solidFill>
+                    <a:schemeClr val="tx1"/>
+                  </a:solidFill>
+                </a:ln>
+              </p:spPr>
+              <p:style>
+                <a:lnRef idx="2">
+                  <a:schemeClr val="accent1">
+                    <a:shade val="50000"/>
+                  </a:schemeClr>
+                </a:lnRef>
+                <a:fillRef idx="1">
+                  <a:schemeClr val="accent1"/>
+                </a:fillRef>
+                <a:effectRef idx="0">
+                  <a:schemeClr val="accent1"/>
+                </a:effectRef>
+                <a:fontRef idx="minor">
+                  <a:schemeClr val="lt1"/>
+                </a:fontRef>
+              </p:style>
+              <p:txBody>
+                <a:bodyPr rtlCol="0" anchor="ctr"/>
+                <a:lstStyle/>
+                <a:p>
+                  <a:pPr algn="ctr"/>
+                  <a:endParaRPr lang="en-US"/>
+                </a:p>
+              </p:txBody>
+            </p:sp>
+          </p:grpSp>
+          <p:sp>
+            <p:nvSpPr>
+              <p:cNvPr id="40" name="Freeform 39"/>
+              <p:cNvSpPr/>
+              <p:nvPr/>
+            </p:nvSpPr>
+            <p:spPr>
+              <a:xfrm flipH="1">
+                <a:off x="4108076" y="5385531"/>
+                <a:ext cx="90241" cy="109495"/>
+              </a:xfrm>
+              <a:custGeom>
+                <a:avLst/>
+                <a:gdLst>
+                  <a:gd name="connsiteX0" fmla="*/ 0 w 51759"/>
+                  <a:gd name="connsiteY0" fmla="*/ 0 h 94890"/>
+                  <a:gd name="connsiteX1" fmla="*/ 34506 w 51759"/>
+                  <a:gd name="connsiteY1" fmla="*/ 86264 h 94890"/>
+                  <a:gd name="connsiteX2" fmla="*/ 51759 w 51759"/>
+                  <a:gd name="connsiteY2" fmla="*/ 94890 h 94890"/>
+                </a:gdLst>
+                <a:ahLst/>
+                <a:cxnLst>
+                  <a:cxn ang="0">
+                    <a:pos x="connsiteX0" y="connsiteY0"/>
+                  </a:cxn>
+                  <a:cxn ang="0">
+                    <a:pos x="connsiteX1" y="connsiteY1"/>
+                  </a:cxn>
+                  <a:cxn ang="0">
+                    <a:pos x="connsiteX2" y="connsiteY2"/>
+                  </a:cxn>
+                </a:cxnLst>
+                <a:rect l="l" t="t" r="r" b="b"/>
+                <a:pathLst>
+                  <a:path w="51759" h="94890">
+                    <a:moveTo>
+                      <a:pt x="0" y="0"/>
+                    </a:moveTo>
+                    <a:cubicBezTo>
+                      <a:pt x="9003" y="72017"/>
+                      <a:pt x="-10255" y="59408"/>
+                      <a:pt x="34506" y="86264"/>
+                    </a:cubicBezTo>
+                    <a:cubicBezTo>
+                      <a:pt x="40019" y="89572"/>
+                      <a:pt x="46008" y="92015"/>
+                      <a:pt x="51759" y="94890"/>
+                    </a:cubicBezTo>
+                  </a:path>
+                </a:pathLst>
+              </a:custGeom>
+              <a:noFill/>
+              <a:ln w="19050">
+                <a:solidFill>
+                  <a:schemeClr val="tx1"/>
+                </a:solidFill>
+              </a:ln>
+            </p:spPr>
+            <p:style>
+              <a:lnRef idx="2">
+                <a:schemeClr val="accent1">
+                  <a:shade val="50000"/>
+                </a:schemeClr>
+              </a:lnRef>
+              <a:fillRef idx="1">
+                <a:schemeClr val="accent1"/>
+              </a:fillRef>
+              <a:effectRef idx="0">
+                <a:schemeClr val="accent1"/>
+              </a:effectRef>
+              <a:fontRef idx="minor">
+                <a:schemeClr val="lt1"/>
+              </a:fontRef>
+            </p:style>
+            <p:txBody>
+              <a:bodyPr rtlCol="0" anchor="ctr"/>
+              <a:lstStyle/>
+              <a:p>
+                <a:pPr algn="ctr"/>
+                <a:endParaRPr lang="en-US"/>
+              </a:p>
+            </p:txBody>
+          </p:sp>
+        </p:grpSp>
+        <p:pic>
+          <p:nvPicPr>
+            <p:cNvPr id="44" name="Picture 43"/>
+            <p:cNvPicPr>
+              <a:picLocks noChangeAspect="1"/>
+            </p:cNvPicPr>
+            <p:nvPr/>
+          </p:nvPicPr>
+          <p:blipFill>
+            <a:blip r:embed="rId9" cstate="print">
+              <a:extLst>
+                <a:ext uri="{28A0092B-C50C-407E-A947-70E740481C1C}">
+                  <a14:useLocalDpi xmlns:a14="http://schemas.microsoft.com/office/drawing/2010/main" val="0"/>
+                </a:ext>
+              </a:extLst>
+            </a:blip>
+            <a:stretch>
+              <a:fillRect/>
+            </a:stretch>
+          </p:blipFill>
+          <p:spPr>
+            <a:xfrm>
+              <a:off x="703032" y="1034476"/>
+              <a:ext cx="497515" cy="497515"/>
+            </a:xfrm>
+            <a:prstGeom prst="rect">
+              <a:avLst/>
+            </a:prstGeom>
+          </p:spPr>
+        </p:pic>
+        <p:pic>
+          <p:nvPicPr>
+            <p:cNvPr id="50" name="Picture 49"/>
+            <p:cNvPicPr>
+              <a:picLocks noChangeAspect="1"/>
+            </p:cNvPicPr>
+            <p:nvPr/>
+          </p:nvPicPr>
+          <p:blipFill>
+            <a:blip r:embed="rId10" cstate="print">
+              <a:extLst>
+                <a:ext uri="{28A0092B-C50C-407E-A947-70E740481C1C}">
+                  <a14:useLocalDpi xmlns:a14="http://schemas.microsoft.com/office/drawing/2010/main" val="0"/>
+                </a:ext>
+              </a:extLst>
+            </a:blip>
+            <a:stretch>
+              <a:fillRect/>
+            </a:stretch>
+          </p:blipFill>
+          <p:spPr>
+            <a:xfrm>
+              <a:off x="698461" y="4619917"/>
+              <a:ext cx="521034" cy="521034"/>
+            </a:xfrm>
+            <a:prstGeom prst="rect">
+              <a:avLst/>
+            </a:prstGeom>
+          </p:spPr>
+        </p:pic>
+      </p:grpSp>
+      <p:grpSp>
+        <p:nvGrpSpPr>
+          <p:cNvPr id="53" name="Group 52"/>
+          <p:cNvGrpSpPr/>
+          <p:nvPr/>
+        </p:nvGrpSpPr>
+        <p:grpSpPr>
+          <a:xfrm>
+            <a:off x="1748117" y="2205318"/>
+            <a:ext cx="6306671" cy="2218764"/>
+            <a:chOff x="1748117" y="2205318"/>
+            <a:chExt cx="6306671" cy="2218764"/>
+          </a:xfrm>
+        </p:grpSpPr>
+        <p:sp>
+          <p:nvSpPr>
+            <p:cNvPr id="16" name="Rectangle 15"/>
+            <p:cNvSpPr/>
+            <p:nvPr/>
+          </p:nvSpPr>
+          <p:spPr>
+            <a:xfrm>
+              <a:off x="1748117" y="2205318"/>
+              <a:ext cx="6306671" cy="1748117"/>
+            </a:xfrm>
+            <a:prstGeom prst="rect">
+              <a:avLst/>
+            </a:prstGeom>
+            <a:solidFill>
+              <a:schemeClr val="bg1"/>
+            </a:solidFill>
+            <a:ln>
+              <a:solidFill>
+                <a:schemeClr val="bg1">
+                  <a:lumMod val="65000"/>
+                </a:schemeClr>
+              </a:solidFill>
+            </a:ln>
+          </p:spPr>
+          <p:style>
+            <a:lnRef idx="2">
+              <a:schemeClr val="accent1">
+                <a:shade val="50000"/>
+              </a:schemeClr>
+            </a:lnRef>
+            <a:fillRef idx="1">
+              <a:schemeClr val="accent1"/>
+            </a:fillRef>
+            <a:effectRef idx="0">
+              <a:schemeClr val="accent1"/>
+            </a:effectRef>
+            <a:fontRef idx="minor">
+              <a:schemeClr val="lt1"/>
+            </a:fontRef>
+          </p:style>
+          <p:txBody>
+            <a:bodyPr rtlCol="0" anchor="ctr"/>
+            <a:lstStyle/>
+            <a:p>
+              <a:pPr algn="ctr"/>
+              <a:endParaRPr lang="en-US"/>
+            </a:p>
+          </p:txBody>
+        </p:sp>
+        <p:sp>
+          <p:nvSpPr>
+            <p:cNvPr id="17" name="Rectangle 16"/>
+            <p:cNvSpPr/>
+            <p:nvPr/>
+          </p:nvSpPr>
+          <p:spPr>
+            <a:xfrm>
+              <a:off x="1748117" y="3953435"/>
+              <a:ext cx="6306671" cy="470647"/>
+            </a:xfrm>
+            <a:prstGeom prst="rect">
+              <a:avLst/>
+            </a:prstGeom>
+            <a:solidFill>
+              <a:schemeClr val="bg1">
+                <a:lumMod val="85000"/>
+              </a:schemeClr>
+            </a:solidFill>
+            <a:ln>
+              <a:solidFill>
+                <a:schemeClr val="bg1">
+                  <a:lumMod val="65000"/>
+                </a:schemeClr>
+              </a:solidFill>
+            </a:ln>
+          </p:spPr>
+          <p:style>
+            <a:lnRef idx="2">
+              <a:schemeClr val="accent1">
+                <a:shade val="50000"/>
+              </a:schemeClr>
+            </a:lnRef>
+            <a:fillRef idx="1">
+              <a:schemeClr val="accent1"/>
+            </a:fillRef>
+            <a:effectRef idx="0">
+              <a:schemeClr val="accent1"/>
+            </a:effectRef>
+            <a:fontRef idx="minor">
+              <a:schemeClr val="lt1"/>
+            </a:fontRef>
+          </p:style>
+          <p:txBody>
+            <a:bodyPr rtlCol="0" anchor="ctr"/>
+            <a:lstStyle/>
+            <a:p>
+              <a:pPr algn="ctr"/>
+              <a:endParaRPr lang="en-US"/>
+            </a:p>
+          </p:txBody>
+        </p:sp>
+        <p:sp>
+          <p:nvSpPr>
+            <p:cNvPr id="18" name="Rounded Rectangle 17"/>
+            <p:cNvSpPr/>
+            <p:nvPr/>
+          </p:nvSpPr>
+          <p:spPr>
+            <a:xfrm>
+              <a:off x="1922929" y="4040840"/>
+              <a:ext cx="1290919" cy="336177"/>
+            </a:xfrm>
+            <a:prstGeom prst="roundRect">
+              <a:avLst/>
+            </a:prstGeom>
             <a:solidFill>
               <a:schemeClr val="bg1">
                 <a:lumMod val="65000"/>
               </a:schemeClr>
             </a:solidFill>
-          </a:ln>
-        </p:spPr>
-        <p:txBody>
-          <a:bodyPr wrap="square" rtlCol="0">
-            <a:spAutoFit/>
-          </a:bodyPr>
-          <a:lstStyle/>
-          <a:p>
-            <a:pPr algn="r"/>
-            <a:r>
-              <a:rPr lang="en-US" sz="3600" dirty="0" smtClean="0">
+            <a:ln>
+              <a:solidFill>
+                <a:schemeClr val="bg1">
+                  <a:lumMod val="65000"/>
+                </a:schemeClr>
+              </a:solidFill>
+            </a:ln>
+          </p:spPr>
+          <p:style>
+            <a:lnRef idx="2">
+              <a:schemeClr val="accent1">
+                <a:shade val="50000"/>
+              </a:schemeClr>
+            </a:lnRef>
+            <a:fillRef idx="1">
+              <a:schemeClr val="accent1"/>
+            </a:fillRef>
+            <a:effectRef idx="0">
+              <a:schemeClr val="accent1"/>
+            </a:effectRef>
+            <a:fontRef idx="minor">
+              <a:schemeClr val="lt1"/>
+            </a:fontRef>
+          </p:style>
+          <p:txBody>
+            <a:bodyPr rtlCol="0" anchor="ctr"/>
+            <a:lstStyle/>
+            <a:p>
+              <a:pPr algn="ctr"/>
+              <a:r>
+                <a:rPr lang="en-US" sz="1600" b="1" dirty="0" smtClean="0">
+                  <a:solidFill>
+                    <a:schemeClr val="tx1">
+                      <a:lumMod val="95000"/>
+                      <a:lumOff val="5000"/>
+                    </a:schemeClr>
+                  </a:solidFill>
+                </a:rPr>
+                <a:t>I`m Interest</a:t>
+              </a:r>
+              <a:endParaRPr lang="en-US" sz="1600" b="1" dirty="0">
                 <a:solidFill>
                   <a:schemeClr val="tx1">
-                    <a:lumMod val="75000"/>
-                    <a:lumOff val="25000"/>
+                    <a:lumMod val="95000"/>
+                    <a:lumOff val="5000"/>
                   </a:schemeClr>
                 </a:solidFill>
-              </a:rPr>
-              <a:t>Team</a:t>
-            </a:r>
-            <a:endParaRPr lang="en-US" sz="3600" dirty="0">
+              </a:endParaRPr>
+            </a:p>
+          </p:txBody>
+        </p:sp>
+        <p:sp>
+          <p:nvSpPr>
+            <p:cNvPr id="19" name="Rounded Rectangle 18"/>
+            <p:cNvSpPr/>
+            <p:nvPr/>
+          </p:nvSpPr>
+          <p:spPr>
+            <a:xfrm>
+              <a:off x="4650441" y="4040839"/>
+              <a:ext cx="927847" cy="336177"/>
+            </a:xfrm>
+            <a:prstGeom prst="roundRect">
+              <a:avLst/>
+            </a:prstGeom>
+            <a:solidFill>
+              <a:schemeClr val="bg1">
+                <a:lumMod val="65000"/>
+              </a:schemeClr>
+            </a:solidFill>
+            <a:ln>
               <a:solidFill>
-                <a:schemeClr val="tx1">
-                  <a:lumMod val="75000"/>
-                  <a:lumOff val="25000"/>
+                <a:schemeClr val="bg1">
+                  <a:lumMod val="65000"/>
                 </a:schemeClr>
               </a:solidFill>
-            </a:endParaRPr>
+            </a:ln>
+          </p:spPr>
+          <p:style>
+            <a:lnRef idx="2">
+              <a:schemeClr val="accent1">
+                <a:shade val="50000"/>
+              </a:schemeClr>
+            </a:lnRef>
+            <a:fillRef idx="1">
+              <a:schemeClr val="accent1"/>
+            </a:fillRef>
+            <a:effectRef idx="0">
+              <a:schemeClr val="accent1"/>
+            </a:effectRef>
+            <a:fontRef idx="minor">
+              <a:schemeClr val="lt1"/>
+            </a:fontRef>
+          </p:style>
+          <p:txBody>
+            <a:bodyPr rtlCol="0" anchor="ctr"/>
+            <a:lstStyle/>
+            <a:p>
+              <a:pPr algn="ctr"/>
+              <a:r>
+                <a:rPr lang="en-US" sz="1600" b="1" dirty="0" smtClean="0">
+                  <a:solidFill>
+                    <a:schemeClr val="tx1">
+                      <a:lumMod val="95000"/>
+                      <a:lumOff val="5000"/>
+                    </a:schemeClr>
+                  </a:solidFill>
+                </a:rPr>
+                <a:t>View</a:t>
+              </a:r>
+              <a:endParaRPr lang="en-US" sz="1600" b="1" dirty="0">
+                <a:solidFill>
+                  <a:schemeClr val="tx1">
+                    <a:lumMod val="95000"/>
+                    <a:lumOff val="5000"/>
+                  </a:schemeClr>
+                </a:solidFill>
+              </a:endParaRPr>
+            </a:p>
+          </p:txBody>
+        </p:sp>
+        <p:sp>
+          <p:nvSpPr>
+            <p:cNvPr id="20" name="Rounded Rectangle 19"/>
+            <p:cNvSpPr/>
+            <p:nvPr/>
+          </p:nvSpPr>
+          <p:spPr>
+            <a:xfrm>
+              <a:off x="3455894" y="4034113"/>
+              <a:ext cx="927847" cy="336177"/>
+            </a:xfrm>
+            <a:prstGeom prst="roundRect">
+              <a:avLst/>
+            </a:prstGeom>
+            <a:solidFill>
+              <a:schemeClr val="bg1">
+                <a:lumMod val="65000"/>
+              </a:schemeClr>
+            </a:solidFill>
+            <a:ln>
+              <a:solidFill>
+                <a:schemeClr val="bg1">
+                  <a:lumMod val="65000"/>
+                </a:schemeClr>
+              </a:solidFill>
+            </a:ln>
+          </p:spPr>
+          <p:style>
+            <a:lnRef idx="2">
+              <a:schemeClr val="accent1">
+                <a:shade val="50000"/>
+              </a:schemeClr>
+            </a:lnRef>
+            <a:fillRef idx="1">
+              <a:schemeClr val="accent1"/>
+            </a:fillRef>
+            <a:effectRef idx="0">
+              <a:schemeClr val="accent1"/>
+            </a:effectRef>
+            <a:fontRef idx="minor">
+              <a:schemeClr val="lt1"/>
+            </a:fontRef>
+          </p:style>
+          <p:txBody>
+            <a:bodyPr rtlCol="0" anchor="ctr"/>
+            <a:lstStyle/>
+            <a:p>
+              <a:pPr algn="ctr"/>
+              <a:r>
+                <a:rPr lang="en-US" sz="1600" b="1" dirty="0" smtClean="0">
+                  <a:solidFill>
+                    <a:schemeClr val="tx1">
+                      <a:lumMod val="95000"/>
+                      <a:lumOff val="5000"/>
+                    </a:schemeClr>
+                  </a:solidFill>
+                </a:rPr>
+                <a:t>Going</a:t>
+              </a:r>
+              <a:endParaRPr lang="en-US" sz="1600" b="1" dirty="0">
+                <a:solidFill>
+                  <a:schemeClr val="tx1">
+                    <a:lumMod val="95000"/>
+                    <a:lumOff val="5000"/>
+                  </a:schemeClr>
+                </a:solidFill>
+              </a:endParaRPr>
+            </a:p>
+          </p:txBody>
+        </p:sp>
+        <p:pic>
+          <p:nvPicPr>
+            <p:cNvPr id="21" name="Picture 20"/>
+            <p:cNvPicPr>
+              <a:picLocks noChangeAspect="1"/>
+            </p:cNvPicPr>
+            <p:nvPr/>
+          </p:nvPicPr>
+          <p:blipFill>
+            <a:blip r:embed="rId11" cstate="print">
+              <a:grayscl/>
+              <a:extLst>
+                <a:ext uri="{28A0092B-C50C-407E-A947-70E740481C1C}">
+                  <a14:useLocalDpi xmlns:a14="http://schemas.microsoft.com/office/drawing/2010/main" val="0"/>
+                </a:ext>
+              </a:extLst>
+            </a:blip>
+            <a:stretch>
+              <a:fillRect/>
+            </a:stretch>
+          </p:blipFill>
+          <p:spPr>
+            <a:xfrm>
+              <a:off x="1811062" y="2371976"/>
+              <a:ext cx="1414802" cy="1414802"/>
+            </a:xfrm>
+            <a:prstGeom prst="rect">
+              <a:avLst/>
+            </a:prstGeom>
+          </p:spPr>
+        </p:pic>
+        <p:sp>
+          <p:nvSpPr>
+            <p:cNvPr id="23" name="TextBox 22"/>
+            <p:cNvSpPr txBox="1"/>
+            <p:nvPr/>
+          </p:nvSpPr>
+          <p:spPr>
+            <a:xfrm>
+              <a:off x="3455894" y="2371976"/>
+              <a:ext cx="3671047" cy="369332"/>
+            </a:xfrm>
+            <a:prstGeom prst="rect">
+              <a:avLst/>
+            </a:prstGeom>
+            <a:noFill/>
+          </p:spPr>
+          <p:txBody>
+            <a:bodyPr wrap="square" rtlCol="0">
+              <a:spAutoFit/>
+            </a:bodyPr>
+            <a:lstStyle/>
+            <a:p>
+              <a:r>
+                <a:rPr lang="en-US" dirty="0" smtClean="0"/>
+                <a:t>Blood Donation</a:t>
+              </a:r>
+              <a:endParaRPr lang="en-US" dirty="0"/>
+            </a:p>
+          </p:txBody>
+        </p:sp>
+        <p:sp>
+          <p:nvSpPr>
+            <p:cNvPr id="24" name="TextBox 23"/>
+            <p:cNvSpPr txBox="1"/>
+            <p:nvPr/>
+          </p:nvSpPr>
+          <p:spPr>
+            <a:xfrm>
+              <a:off x="3455894" y="2771795"/>
+              <a:ext cx="3671047" cy="369332"/>
+            </a:xfrm>
+            <a:prstGeom prst="rect">
+              <a:avLst/>
+            </a:prstGeom>
+            <a:noFill/>
+          </p:spPr>
+          <p:txBody>
+            <a:bodyPr wrap="square" rtlCol="0">
+              <a:spAutoFit/>
+            </a:bodyPr>
+            <a:lstStyle/>
+            <a:p>
+              <a:r>
+                <a:rPr lang="en-US" dirty="0" smtClean="0"/>
+                <a:t>HNB Bank - </a:t>
+              </a:r>
+              <a:r>
+                <a:rPr lang="en-US" dirty="0" err="1" smtClean="0"/>
+                <a:t>Piliyandala</a:t>
+              </a:r>
+              <a:endParaRPr lang="en-US" dirty="0"/>
+            </a:p>
+          </p:txBody>
+        </p:sp>
+        <p:sp>
+          <p:nvSpPr>
+            <p:cNvPr id="25" name="TextBox 24"/>
+            <p:cNvSpPr txBox="1"/>
+            <p:nvPr/>
+          </p:nvSpPr>
+          <p:spPr>
+            <a:xfrm>
+              <a:off x="3455894" y="3351755"/>
+              <a:ext cx="3671047" cy="369332"/>
+            </a:xfrm>
+            <a:prstGeom prst="rect">
+              <a:avLst/>
+            </a:prstGeom>
+            <a:noFill/>
+          </p:spPr>
+          <p:txBody>
+            <a:bodyPr wrap="square" rtlCol="0">
+              <a:spAutoFit/>
+            </a:bodyPr>
+            <a:lstStyle/>
+            <a:p>
+              <a:r>
+                <a:rPr lang="en-US" dirty="0" smtClean="0"/>
+                <a:t>HNB Bank(Staff) - </a:t>
+              </a:r>
+              <a:r>
+                <a:rPr lang="en-US" dirty="0" err="1" smtClean="0"/>
+                <a:t>Piliyandala</a:t>
+              </a:r>
+              <a:endParaRPr lang="en-US" dirty="0"/>
+            </a:p>
+          </p:txBody>
+        </p:sp>
+        <p:sp>
+          <p:nvSpPr>
+            <p:cNvPr id="48" name="TextBox 47"/>
+            <p:cNvSpPr txBox="1"/>
+            <p:nvPr/>
+          </p:nvSpPr>
+          <p:spPr>
+            <a:xfrm>
+              <a:off x="6673755" y="2342892"/>
+              <a:ext cx="1307433" cy="1446550"/>
+            </a:xfrm>
+            <a:prstGeom prst="rect">
+              <a:avLst/>
+            </a:prstGeom>
+            <a:noFill/>
+          </p:spPr>
+          <p:txBody>
+            <a:bodyPr wrap="square" rtlCol="0">
+              <a:spAutoFit/>
+            </a:bodyPr>
+            <a:lstStyle/>
+            <a:p>
+              <a:pPr algn="ctr"/>
+              <a:r>
+                <a:rPr lang="en-US" sz="3600" dirty="0" smtClean="0"/>
+                <a:t>SEP</a:t>
+              </a:r>
+            </a:p>
+            <a:p>
+              <a:pPr algn="ctr"/>
+              <a:r>
+                <a:rPr lang="en-US" sz="3200" dirty="0" smtClean="0"/>
+                <a:t>30</a:t>
+              </a:r>
+            </a:p>
+            <a:p>
+              <a:pPr algn="ctr"/>
+              <a:r>
+                <a:rPr lang="en-US" sz="2000" dirty="0" smtClean="0"/>
+                <a:t>2018</a:t>
+              </a:r>
+              <a:endParaRPr lang="en-US" sz="2000" dirty="0"/>
+            </a:p>
+          </p:txBody>
+        </p:sp>
+        <p:pic>
+          <p:nvPicPr>
+            <p:cNvPr id="51" name="Picture 50"/>
+            <p:cNvPicPr>
+              <a:picLocks noChangeAspect="1"/>
+            </p:cNvPicPr>
+            <p:nvPr/>
+          </p:nvPicPr>
+          <p:blipFill>
+            <a:blip r:embed="rId12" cstate="print">
+              <a:biLevel thresh="50000"/>
+              <a:extLst>
+                <a:ext uri="{28A0092B-C50C-407E-A947-70E740481C1C}">
+                  <a14:useLocalDpi xmlns:a14="http://schemas.microsoft.com/office/drawing/2010/main" val="0"/>
+                </a:ext>
+              </a:extLst>
+            </a:blip>
+            <a:stretch>
+              <a:fillRect/>
+            </a:stretch>
+          </p:blipFill>
+          <p:spPr>
+            <a:xfrm>
+              <a:off x="7443741" y="3921944"/>
+              <a:ext cx="466162" cy="466162"/>
+            </a:xfrm>
+            <a:prstGeom prst="rect">
+              <a:avLst/>
+            </a:prstGeom>
+          </p:spPr>
+        </p:pic>
+        <p:sp>
+          <p:nvSpPr>
+            <p:cNvPr id="52" name="TextBox 51"/>
+            <p:cNvSpPr txBox="1"/>
+            <p:nvPr/>
+          </p:nvSpPr>
+          <p:spPr>
+            <a:xfrm>
+              <a:off x="7112735" y="4059681"/>
+              <a:ext cx="415144" cy="276999"/>
+            </a:xfrm>
+            <a:prstGeom prst="rect">
+              <a:avLst/>
+            </a:prstGeom>
+            <a:noFill/>
+          </p:spPr>
+          <p:txBody>
+            <a:bodyPr wrap="square" rtlCol="0">
+              <a:spAutoFit/>
+            </a:bodyPr>
+            <a:lstStyle/>
+            <a:p>
+              <a:r>
+                <a:rPr lang="en-US" sz="1200" dirty="0" smtClean="0"/>
+                <a:t>20</a:t>
+              </a:r>
+              <a:endParaRPr lang="en-US" sz="1200" dirty="0"/>
+            </a:p>
+          </p:txBody>
+        </p:sp>
+      </p:grpSp>
+      <p:grpSp>
+        <p:nvGrpSpPr>
+          <p:cNvPr id="54" name="Group 53"/>
+          <p:cNvGrpSpPr/>
+          <p:nvPr/>
+        </p:nvGrpSpPr>
+        <p:grpSpPr>
+          <a:xfrm>
+            <a:off x="1743985" y="4619917"/>
+            <a:ext cx="6306671" cy="2218764"/>
+            <a:chOff x="1748117" y="2205318"/>
+            <a:chExt cx="6306671" cy="2218764"/>
+          </a:xfrm>
+        </p:grpSpPr>
+        <p:sp>
+          <p:nvSpPr>
+            <p:cNvPr id="55" name="Rectangle 54"/>
+            <p:cNvSpPr/>
+            <p:nvPr/>
+          </p:nvSpPr>
+          <p:spPr>
+            <a:xfrm>
+              <a:off x="1748117" y="2205318"/>
+              <a:ext cx="6306671" cy="1748117"/>
+            </a:xfrm>
+            <a:prstGeom prst="rect">
+              <a:avLst/>
+            </a:prstGeom>
+            <a:solidFill>
+              <a:schemeClr val="bg1"/>
+            </a:solidFill>
+            <a:ln>
+              <a:solidFill>
+                <a:schemeClr val="bg1">
+                  <a:lumMod val="65000"/>
+                </a:schemeClr>
+              </a:solidFill>
+            </a:ln>
+          </p:spPr>
+          <p:style>
+            <a:lnRef idx="2">
+              <a:schemeClr val="accent1">
+                <a:shade val="50000"/>
+              </a:schemeClr>
+            </a:lnRef>
+            <a:fillRef idx="1">
+              <a:schemeClr val="accent1"/>
+            </a:fillRef>
+            <a:effectRef idx="0">
+              <a:schemeClr val="accent1"/>
+            </a:effectRef>
+            <a:fontRef idx="minor">
+              <a:schemeClr val="lt1"/>
+            </a:fontRef>
+          </p:style>
+          <p:txBody>
+            <a:bodyPr rtlCol="0" anchor="ctr"/>
+            <a:lstStyle/>
+            <a:p>
+              <a:pPr algn="ctr"/>
+              <a:endParaRPr lang="en-US"/>
+            </a:p>
+          </p:txBody>
+        </p:sp>
+        <p:sp>
+          <p:nvSpPr>
+            <p:cNvPr id="56" name="Rectangle 55"/>
+            <p:cNvSpPr/>
+            <p:nvPr/>
+          </p:nvSpPr>
+          <p:spPr>
+            <a:xfrm>
+              <a:off x="1748117" y="3953435"/>
+              <a:ext cx="6306671" cy="470647"/>
+            </a:xfrm>
+            <a:prstGeom prst="rect">
+              <a:avLst/>
+            </a:prstGeom>
+            <a:solidFill>
+              <a:schemeClr val="bg1">
+                <a:lumMod val="85000"/>
+              </a:schemeClr>
+            </a:solidFill>
+            <a:ln>
+              <a:solidFill>
+                <a:schemeClr val="bg1">
+                  <a:lumMod val="65000"/>
+                </a:schemeClr>
+              </a:solidFill>
+            </a:ln>
+          </p:spPr>
+          <p:style>
+            <a:lnRef idx="2">
+              <a:schemeClr val="accent1">
+                <a:shade val="50000"/>
+              </a:schemeClr>
+            </a:lnRef>
+            <a:fillRef idx="1">
+              <a:schemeClr val="accent1"/>
+            </a:fillRef>
+            <a:effectRef idx="0">
+              <a:schemeClr val="accent1"/>
+            </a:effectRef>
+            <a:fontRef idx="minor">
+              <a:schemeClr val="lt1"/>
+            </a:fontRef>
+          </p:style>
+          <p:txBody>
+            <a:bodyPr rtlCol="0" anchor="ctr"/>
+            <a:lstStyle/>
+            <a:p>
+              <a:pPr algn="ctr"/>
+              <a:endParaRPr lang="en-US"/>
+            </a:p>
+          </p:txBody>
+        </p:sp>
+        <p:sp>
+          <p:nvSpPr>
+            <p:cNvPr id="57" name="Rounded Rectangle 56"/>
+            <p:cNvSpPr/>
+            <p:nvPr/>
+          </p:nvSpPr>
+          <p:spPr>
+            <a:xfrm>
+              <a:off x="1922929" y="4040840"/>
+              <a:ext cx="1290919" cy="336177"/>
+            </a:xfrm>
+            <a:prstGeom prst="roundRect">
+              <a:avLst/>
+            </a:prstGeom>
+            <a:solidFill>
+              <a:schemeClr val="bg1">
+                <a:lumMod val="65000"/>
+              </a:schemeClr>
+            </a:solidFill>
+            <a:ln>
+              <a:solidFill>
+                <a:schemeClr val="bg1">
+                  <a:lumMod val="65000"/>
+                </a:schemeClr>
+              </a:solidFill>
+            </a:ln>
+          </p:spPr>
+          <p:style>
+            <a:lnRef idx="2">
+              <a:schemeClr val="accent1">
+                <a:shade val="50000"/>
+              </a:schemeClr>
+            </a:lnRef>
+            <a:fillRef idx="1">
+              <a:schemeClr val="accent1"/>
+            </a:fillRef>
+            <a:effectRef idx="0">
+              <a:schemeClr val="accent1"/>
+            </a:effectRef>
+            <a:fontRef idx="minor">
+              <a:schemeClr val="lt1"/>
+            </a:fontRef>
+          </p:style>
+          <p:txBody>
+            <a:bodyPr rtlCol="0" anchor="ctr"/>
+            <a:lstStyle/>
+            <a:p>
+              <a:pPr algn="ctr"/>
+              <a:r>
+                <a:rPr lang="en-US" sz="1600" b="1" dirty="0" smtClean="0">
+                  <a:solidFill>
+                    <a:schemeClr val="tx1">
+                      <a:lumMod val="95000"/>
+                      <a:lumOff val="5000"/>
+                    </a:schemeClr>
+                  </a:solidFill>
+                </a:rPr>
+                <a:t>I`m Interest</a:t>
+              </a:r>
+              <a:endParaRPr lang="en-US" sz="1600" b="1" dirty="0">
+                <a:solidFill>
+                  <a:schemeClr val="tx1">
+                    <a:lumMod val="95000"/>
+                    <a:lumOff val="5000"/>
+                  </a:schemeClr>
+                </a:solidFill>
+              </a:endParaRPr>
+            </a:p>
+          </p:txBody>
+        </p:sp>
+        <p:sp>
+          <p:nvSpPr>
+            <p:cNvPr id="58" name="Rounded Rectangle 57"/>
+            <p:cNvSpPr/>
+            <p:nvPr/>
+          </p:nvSpPr>
+          <p:spPr>
+            <a:xfrm>
+              <a:off x="4650441" y="4040839"/>
+              <a:ext cx="927847" cy="336177"/>
+            </a:xfrm>
+            <a:prstGeom prst="roundRect">
+              <a:avLst/>
+            </a:prstGeom>
+            <a:solidFill>
+              <a:schemeClr val="bg1">
+                <a:lumMod val="65000"/>
+              </a:schemeClr>
+            </a:solidFill>
+            <a:ln>
+              <a:solidFill>
+                <a:schemeClr val="bg1">
+                  <a:lumMod val="65000"/>
+                </a:schemeClr>
+              </a:solidFill>
+            </a:ln>
+          </p:spPr>
+          <p:style>
+            <a:lnRef idx="2">
+              <a:schemeClr val="accent1">
+                <a:shade val="50000"/>
+              </a:schemeClr>
+            </a:lnRef>
+            <a:fillRef idx="1">
+              <a:schemeClr val="accent1"/>
+            </a:fillRef>
+            <a:effectRef idx="0">
+              <a:schemeClr val="accent1"/>
+            </a:effectRef>
+            <a:fontRef idx="minor">
+              <a:schemeClr val="lt1"/>
+            </a:fontRef>
+          </p:style>
+          <p:txBody>
+            <a:bodyPr rtlCol="0" anchor="ctr"/>
+            <a:lstStyle/>
+            <a:p>
+              <a:pPr algn="ctr"/>
+              <a:r>
+                <a:rPr lang="en-US" sz="1600" b="1" dirty="0" smtClean="0">
+                  <a:solidFill>
+                    <a:schemeClr val="tx1">
+                      <a:lumMod val="95000"/>
+                      <a:lumOff val="5000"/>
+                    </a:schemeClr>
+                  </a:solidFill>
+                </a:rPr>
+                <a:t>View</a:t>
+              </a:r>
+              <a:endParaRPr lang="en-US" sz="1600" b="1" dirty="0">
+                <a:solidFill>
+                  <a:schemeClr val="tx1">
+                    <a:lumMod val="95000"/>
+                    <a:lumOff val="5000"/>
+                  </a:schemeClr>
+                </a:solidFill>
+              </a:endParaRPr>
+            </a:p>
+          </p:txBody>
+        </p:sp>
+        <p:sp>
+          <p:nvSpPr>
+            <p:cNvPr id="59" name="Rounded Rectangle 58"/>
+            <p:cNvSpPr/>
+            <p:nvPr/>
+          </p:nvSpPr>
+          <p:spPr>
+            <a:xfrm>
+              <a:off x="3455894" y="4034113"/>
+              <a:ext cx="927847" cy="336177"/>
+            </a:xfrm>
+            <a:prstGeom prst="roundRect">
+              <a:avLst/>
+            </a:prstGeom>
+            <a:solidFill>
+              <a:schemeClr val="bg1">
+                <a:lumMod val="65000"/>
+              </a:schemeClr>
+            </a:solidFill>
+            <a:ln>
+              <a:solidFill>
+                <a:schemeClr val="bg1">
+                  <a:lumMod val="65000"/>
+                </a:schemeClr>
+              </a:solidFill>
+            </a:ln>
+          </p:spPr>
+          <p:style>
+            <a:lnRef idx="2">
+              <a:schemeClr val="accent1">
+                <a:shade val="50000"/>
+              </a:schemeClr>
+            </a:lnRef>
+            <a:fillRef idx="1">
+              <a:schemeClr val="accent1"/>
+            </a:fillRef>
+            <a:effectRef idx="0">
+              <a:schemeClr val="accent1"/>
+            </a:effectRef>
+            <a:fontRef idx="minor">
+              <a:schemeClr val="lt1"/>
+            </a:fontRef>
+          </p:style>
+          <p:txBody>
+            <a:bodyPr rtlCol="0" anchor="ctr"/>
+            <a:lstStyle/>
+            <a:p>
+              <a:pPr algn="ctr"/>
+              <a:r>
+                <a:rPr lang="en-US" sz="1600" b="1" dirty="0" smtClean="0">
+                  <a:solidFill>
+                    <a:schemeClr val="tx1">
+                      <a:lumMod val="95000"/>
+                      <a:lumOff val="5000"/>
+                    </a:schemeClr>
+                  </a:solidFill>
+                </a:rPr>
+                <a:t>Going</a:t>
+              </a:r>
+              <a:endParaRPr lang="en-US" sz="1600" b="1" dirty="0">
+                <a:solidFill>
+                  <a:schemeClr val="tx1">
+                    <a:lumMod val="95000"/>
+                    <a:lumOff val="5000"/>
+                  </a:schemeClr>
+                </a:solidFill>
+              </a:endParaRPr>
+            </a:p>
+          </p:txBody>
+        </p:sp>
+        <p:sp>
+          <p:nvSpPr>
+            <p:cNvPr id="61" name="TextBox 60"/>
+            <p:cNvSpPr txBox="1"/>
+            <p:nvPr/>
+          </p:nvSpPr>
+          <p:spPr>
+            <a:xfrm>
+              <a:off x="3455894" y="2371976"/>
+              <a:ext cx="3671047" cy="369332"/>
+            </a:xfrm>
+            <a:prstGeom prst="rect">
+              <a:avLst/>
+            </a:prstGeom>
+            <a:noFill/>
+          </p:spPr>
+          <p:txBody>
+            <a:bodyPr wrap="square" rtlCol="0">
+              <a:spAutoFit/>
+            </a:bodyPr>
+            <a:lstStyle/>
+            <a:p>
+              <a:r>
+                <a:rPr lang="en-US" dirty="0" smtClean="0"/>
+                <a:t>Blood Donation</a:t>
+              </a:r>
+              <a:endParaRPr lang="en-US" dirty="0"/>
+            </a:p>
+          </p:txBody>
+        </p:sp>
+        <p:sp>
+          <p:nvSpPr>
+            <p:cNvPr id="62" name="TextBox 61"/>
+            <p:cNvSpPr txBox="1"/>
+            <p:nvPr/>
+          </p:nvSpPr>
+          <p:spPr>
+            <a:xfrm>
+              <a:off x="3455894" y="2771795"/>
+              <a:ext cx="3671047" cy="369332"/>
+            </a:xfrm>
+            <a:prstGeom prst="rect">
+              <a:avLst/>
+            </a:prstGeom>
+            <a:noFill/>
+          </p:spPr>
+          <p:txBody>
+            <a:bodyPr wrap="square" rtlCol="0">
+              <a:spAutoFit/>
+            </a:bodyPr>
+            <a:lstStyle/>
+            <a:p>
+              <a:r>
+                <a:rPr lang="en-US" dirty="0" smtClean="0"/>
+                <a:t>HNB Bank - </a:t>
+              </a:r>
+              <a:r>
+                <a:rPr lang="en-US" dirty="0" err="1" smtClean="0"/>
+                <a:t>Piliyandala</a:t>
+              </a:r>
+              <a:endParaRPr lang="en-US" dirty="0"/>
+            </a:p>
+          </p:txBody>
+        </p:sp>
+        <p:sp>
+          <p:nvSpPr>
+            <p:cNvPr id="63" name="TextBox 62"/>
+            <p:cNvSpPr txBox="1"/>
+            <p:nvPr/>
+          </p:nvSpPr>
+          <p:spPr>
+            <a:xfrm>
+              <a:off x="3455894" y="3351755"/>
+              <a:ext cx="3671047" cy="369332"/>
+            </a:xfrm>
+            <a:prstGeom prst="rect">
+              <a:avLst/>
+            </a:prstGeom>
+            <a:noFill/>
+          </p:spPr>
+          <p:txBody>
+            <a:bodyPr wrap="square" rtlCol="0">
+              <a:spAutoFit/>
+            </a:bodyPr>
+            <a:lstStyle/>
+            <a:p>
+              <a:r>
+                <a:rPr lang="en-US" dirty="0" smtClean="0"/>
+                <a:t>HNB Bank(Staff) - </a:t>
+              </a:r>
+              <a:r>
+                <a:rPr lang="en-US" dirty="0" err="1" smtClean="0"/>
+                <a:t>Piliyandala</a:t>
+              </a:r>
+              <a:endParaRPr lang="en-US" dirty="0"/>
+            </a:p>
+          </p:txBody>
+        </p:sp>
+        <p:sp>
+          <p:nvSpPr>
+            <p:cNvPr id="64" name="TextBox 63"/>
+            <p:cNvSpPr txBox="1"/>
+            <p:nvPr/>
+          </p:nvSpPr>
+          <p:spPr>
+            <a:xfrm>
+              <a:off x="6677887" y="2342892"/>
+              <a:ext cx="1307433" cy="1446550"/>
+            </a:xfrm>
+            <a:prstGeom prst="rect">
+              <a:avLst/>
+            </a:prstGeom>
+            <a:noFill/>
+          </p:spPr>
+          <p:txBody>
+            <a:bodyPr wrap="square" rtlCol="0">
+              <a:spAutoFit/>
+            </a:bodyPr>
+            <a:lstStyle/>
+            <a:p>
+              <a:pPr algn="ctr"/>
+              <a:r>
+                <a:rPr lang="en-US" sz="3600" dirty="0" smtClean="0"/>
+                <a:t>OCT</a:t>
+              </a:r>
+            </a:p>
+            <a:p>
+              <a:pPr algn="ctr"/>
+              <a:r>
+                <a:rPr lang="en-US" sz="3200" dirty="0" smtClean="0"/>
+                <a:t>05</a:t>
+              </a:r>
+            </a:p>
+            <a:p>
+              <a:pPr algn="ctr"/>
+              <a:r>
+                <a:rPr lang="en-US" sz="2000" dirty="0" smtClean="0"/>
+                <a:t>2018</a:t>
+              </a:r>
+              <a:endParaRPr lang="en-US" sz="2000" dirty="0"/>
+            </a:p>
+          </p:txBody>
+        </p:sp>
+        <p:pic>
+          <p:nvPicPr>
+            <p:cNvPr id="65" name="Picture 64"/>
+            <p:cNvPicPr>
+              <a:picLocks noChangeAspect="1"/>
+            </p:cNvPicPr>
+            <p:nvPr/>
+          </p:nvPicPr>
+          <p:blipFill>
+            <a:blip r:embed="rId12" cstate="print">
+              <a:biLevel thresh="50000"/>
+              <a:extLst>
+                <a:ext uri="{28A0092B-C50C-407E-A947-70E740481C1C}">
+                  <a14:useLocalDpi xmlns:a14="http://schemas.microsoft.com/office/drawing/2010/main" val="0"/>
+                </a:ext>
+              </a:extLst>
+            </a:blip>
+            <a:stretch>
+              <a:fillRect/>
+            </a:stretch>
+          </p:blipFill>
+          <p:spPr>
+            <a:xfrm>
+              <a:off x="7443741" y="3921944"/>
+              <a:ext cx="466162" cy="466162"/>
+            </a:xfrm>
+            <a:prstGeom prst="rect">
+              <a:avLst/>
+            </a:prstGeom>
+          </p:spPr>
+        </p:pic>
+        <p:sp>
+          <p:nvSpPr>
+            <p:cNvPr id="66" name="TextBox 65"/>
+            <p:cNvSpPr txBox="1"/>
+            <p:nvPr/>
+          </p:nvSpPr>
+          <p:spPr>
+            <a:xfrm>
+              <a:off x="7112735" y="4059681"/>
+              <a:ext cx="415144" cy="276999"/>
+            </a:xfrm>
+            <a:prstGeom prst="rect">
+              <a:avLst/>
+            </a:prstGeom>
+            <a:noFill/>
+          </p:spPr>
+          <p:txBody>
+            <a:bodyPr wrap="square" rtlCol="0">
+              <a:spAutoFit/>
+            </a:bodyPr>
+            <a:lstStyle/>
+            <a:p>
+              <a:r>
+                <a:rPr lang="en-US" sz="1200" dirty="0" smtClean="0"/>
+                <a:t>10</a:t>
+              </a:r>
+              <a:endParaRPr lang="en-US" sz="1200" dirty="0"/>
+            </a:p>
+          </p:txBody>
+        </p:sp>
+      </p:grpSp>
+      <p:pic>
+        <p:nvPicPr>
+          <p:cNvPr id="67" name="Picture 66"/>
+          <p:cNvPicPr>
+            <a:picLocks noChangeAspect="1"/>
+          </p:cNvPicPr>
+          <p:nvPr/>
+        </p:nvPicPr>
+        <p:blipFill>
+          <a:blip r:embed="rId13" cstate="print">
+            <a:duotone>
+              <a:schemeClr val="accent3">
+                <a:shade val="45000"/>
+                <a:satMod val="135000"/>
+              </a:schemeClr>
+              <a:prstClr val="white"/>
+            </a:duotone>
+            <a:extLst>
+              <a:ext uri="{28A0092B-C50C-407E-A947-70E740481C1C}">
+                <a14:useLocalDpi xmlns:a14="http://schemas.microsoft.com/office/drawing/2010/main" val="0"/>
+              </a:ext>
+            </a:extLst>
+          </a:blip>
+          <a:stretch>
+            <a:fillRect/>
+          </a:stretch>
+        </p:blipFill>
+        <p:spPr>
+          <a:xfrm>
+            <a:off x="1850338" y="4693024"/>
+            <a:ext cx="1547509" cy="1547509"/>
+          </a:xfrm>
+          <a:prstGeom prst="rect">
+            <a:avLst/>
+          </a:prstGeom>
+        </p:spPr>
+      </p:pic>
+      <p:sp>
+        <p:nvSpPr>
+          <p:cNvPr id="69" name="Rectangle 68"/>
+          <p:cNvSpPr/>
+          <p:nvPr/>
+        </p:nvSpPr>
+        <p:spPr>
+          <a:xfrm>
+            <a:off x="8488908" y="1437785"/>
+            <a:ext cx="2073758" cy="335762"/>
+          </a:xfrm>
+          <a:prstGeom prst="rect">
+            <a:avLst/>
+          </a:prstGeom>
+          <a:solidFill>
+            <a:srgbClr val="6AC6AE"/>
+          </a:solidFill>
+        </p:spPr>
+        <p:style>
+          <a:lnRef idx="2">
+            <a:schemeClr val="accent1">
+              <a:shade val="50000"/>
+            </a:schemeClr>
+          </a:lnRef>
+          <a:fillRef idx="1">
+            <a:schemeClr val="accent1"/>
+          </a:fillRef>
+          <a:effectRef idx="0">
+            <a:schemeClr val="accent1"/>
+          </a:effectRef>
+          <a:fontRef idx="minor">
+            <a:schemeClr val="lt1"/>
+          </a:fontRef>
+        </p:style>
+        <p:txBody>
+          <a:bodyPr rtlCol="0" anchor="ctr"/>
+          <a:lstStyle/>
+          <a:p>
+            <a:pPr algn="ctr"/>
+            <a:r>
+              <a:rPr lang="en-US" dirty="0" smtClean="0"/>
+              <a:t>Create Team</a:t>
+            </a:r>
+            <a:endParaRPr lang="en-US" dirty="0"/>
           </a:p>
         </p:txBody>
       </p:sp>
     </p:spTree>
     <p:extLst>
       <p:ext uri="{BB962C8B-B14F-4D97-AF65-F5344CB8AC3E}">
-        <p14:creationId xmlns:p14="http://schemas.microsoft.com/office/powerpoint/2010/main" val="1345327657"/>
+        <p14:creationId xmlns:p14="http://schemas.microsoft.com/office/powerpoint/2010/main" val="3211306195"/>
       </p:ext>
     </p:extLst>
   </p:cSld>
@@ -3350,7 +5493,7 @@
 </p:sld>
 </file>
 
-<file path=ppt/slides/slide2.xml><?xml version="1.0" encoding="utf-8"?>
+<file path=ppt/slides/slide3.xml><?xml version="1.0" encoding="utf-8"?>
 <p:sld xmlns:a="http://schemas.openxmlformats.org/drawingml/2006/main" xmlns:r="http://schemas.openxmlformats.org/officeDocument/2006/relationships" xmlns:p="http://schemas.openxmlformats.org/presentationml/2006/main">
   <p:cSld>
     <p:spTree>
@@ -3467,188 +5610,6 @@
       </p:sp>
       <p:sp>
         <p:nvSpPr>
-          <p:cNvPr id="7" name="Rectangle 6"/>
-          <p:cNvSpPr/>
-          <p:nvPr/>
-        </p:nvSpPr>
-        <p:spPr>
-          <a:xfrm>
-            <a:off x="1089212" y="3321424"/>
-            <a:ext cx="2985248" cy="3469341"/>
-          </a:xfrm>
-          <a:prstGeom prst="rect">
-            <a:avLst/>
-          </a:prstGeom>
-          <a:ln>
-            <a:noFill/>
-          </a:ln>
-        </p:spPr>
-        <p:style>
-          <a:lnRef idx="2">
-            <a:schemeClr val="accent1">
-              <a:shade val="50000"/>
-            </a:schemeClr>
-          </a:lnRef>
-          <a:fillRef idx="1">
-            <a:schemeClr val="accent1"/>
-          </a:fillRef>
-          <a:effectRef idx="0">
-            <a:schemeClr val="accent1"/>
-          </a:effectRef>
-          <a:fontRef idx="minor">
-            <a:schemeClr val="lt1"/>
-          </a:fontRef>
-        </p:style>
-        <p:txBody>
-          <a:bodyPr rtlCol="0" anchor="ctr"/>
-          <a:lstStyle/>
-          <a:p>
-            <a:pPr algn="ctr"/>
-            <a:endParaRPr lang="en-US"/>
-          </a:p>
-        </p:txBody>
-      </p:sp>
-      <p:sp>
-        <p:nvSpPr>
-          <p:cNvPr id="8" name="Rectangle 7"/>
-          <p:cNvSpPr/>
-          <p:nvPr/>
-        </p:nvSpPr>
-        <p:spPr>
-          <a:xfrm>
-            <a:off x="7431739" y="3321424"/>
-            <a:ext cx="2985248" cy="3469341"/>
-          </a:xfrm>
-          <a:prstGeom prst="rect">
-            <a:avLst/>
-          </a:prstGeom>
-          <a:ln>
-            <a:noFill/>
-          </a:ln>
-        </p:spPr>
-        <p:style>
-          <a:lnRef idx="2">
-            <a:schemeClr val="accent1">
-              <a:shade val="50000"/>
-            </a:schemeClr>
-          </a:lnRef>
-          <a:fillRef idx="1">
-            <a:schemeClr val="accent1"/>
-          </a:fillRef>
-          <a:effectRef idx="0">
-            <a:schemeClr val="accent1"/>
-          </a:effectRef>
-          <a:fontRef idx="minor">
-            <a:schemeClr val="lt1"/>
-          </a:fontRef>
-        </p:style>
-        <p:txBody>
-          <a:bodyPr rtlCol="0" anchor="ctr"/>
-          <a:lstStyle/>
-          <a:p>
-            <a:pPr algn="ctr"/>
-            <a:endParaRPr lang="en-US"/>
-          </a:p>
-        </p:txBody>
-      </p:sp>
-      <p:sp>
-        <p:nvSpPr>
-          <p:cNvPr id="6" name="Rectangle 5"/>
-          <p:cNvSpPr/>
-          <p:nvPr/>
-        </p:nvSpPr>
-        <p:spPr>
-          <a:xfrm>
-            <a:off x="3926541" y="2850778"/>
-            <a:ext cx="3657600" cy="4007222"/>
-          </a:xfrm>
-          <a:prstGeom prst="rect">
-            <a:avLst/>
-          </a:prstGeom>
-          <a:solidFill>
-            <a:schemeClr val="accent1">
-              <a:lumMod val="75000"/>
-            </a:schemeClr>
-          </a:solidFill>
-          <a:ln>
-            <a:noFill/>
-          </a:ln>
-        </p:spPr>
-        <p:style>
-          <a:lnRef idx="2">
-            <a:schemeClr val="accent1">
-              <a:shade val="50000"/>
-            </a:schemeClr>
-          </a:lnRef>
-          <a:fillRef idx="1">
-            <a:schemeClr val="accent1"/>
-          </a:fillRef>
-          <a:effectRef idx="0">
-            <a:schemeClr val="accent1"/>
-          </a:effectRef>
-          <a:fontRef idx="minor">
-            <a:schemeClr val="lt1"/>
-          </a:fontRef>
-        </p:style>
-        <p:txBody>
-          <a:bodyPr rtlCol="0" anchor="ctr"/>
-          <a:lstStyle/>
-          <a:p>
-            <a:pPr algn="ctr"/>
-            <a:endParaRPr lang="en-US"/>
-          </a:p>
-        </p:txBody>
-      </p:sp>
-      <p:sp>
-        <p:nvSpPr>
-          <p:cNvPr id="9" name="Rectangle 8"/>
-          <p:cNvSpPr/>
-          <p:nvPr/>
-        </p:nvSpPr>
-        <p:spPr>
-          <a:xfrm>
-            <a:off x="403412" y="793375"/>
-            <a:ext cx="685800" cy="5997389"/>
-          </a:xfrm>
-          <a:prstGeom prst="rect">
-            <a:avLst/>
-          </a:prstGeom>
-          <a:solidFill>
-            <a:schemeClr val="bg1">
-              <a:lumMod val="85000"/>
-            </a:schemeClr>
-          </a:solidFill>
-          <a:ln>
-            <a:noFill/>
-          </a:ln>
-        </p:spPr>
-        <p:style>
-          <a:lnRef idx="2">
-            <a:schemeClr val="accent1">
-              <a:shade val="50000"/>
-            </a:schemeClr>
-          </a:lnRef>
-          <a:fillRef idx="1">
-            <a:schemeClr val="accent1"/>
-          </a:fillRef>
-          <a:effectRef idx="0">
-            <a:schemeClr val="accent1"/>
-          </a:effectRef>
-          <a:fontRef idx="minor">
-            <a:schemeClr val="lt1"/>
-          </a:fontRef>
-        </p:style>
-        <p:txBody>
-          <a:bodyPr rtlCol="0" anchor="ctr"/>
-          <a:lstStyle/>
-          <a:p>
-            <a:pPr algn="ctr"/>
-            <a:endParaRPr lang="en-US"/>
-          </a:p>
-        </p:txBody>
-      </p:sp>
-      <p:sp>
-        <p:nvSpPr>
           <p:cNvPr id="10" name="TextBox 9"/>
           <p:cNvSpPr txBox="1"/>
           <p:nvPr/>
@@ -3831,24 +5792,19 @@
       </p:pic>
       <p:sp>
         <p:nvSpPr>
-          <p:cNvPr id="15" name="TextBox 14"/>
+          <p:cNvPr id="26" name="TextBox 25"/>
           <p:cNvSpPr txBox="1"/>
           <p:nvPr/>
         </p:nvSpPr>
         <p:spPr>
           <a:xfrm>
-            <a:off x="3922060" y="2861525"/>
-            <a:ext cx="3662080" cy="369332"/>
+            <a:off x="7539316" y="5393090"/>
+            <a:ext cx="2877671" cy="646331"/>
           </a:xfrm>
           <a:prstGeom prst="rect">
             <a:avLst/>
           </a:prstGeom>
-          <a:solidFill>
-            <a:srgbClr val="2E8CE2"/>
-          </a:solidFill>
-          <a:ln>
-            <a:noFill/>
-          </a:ln>
+          <a:noFill/>
         </p:spPr>
         <p:txBody>
           <a:bodyPr wrap="square" rtlCol="0">
@@ -3865,7 +5821,7 @@
                   </a:schemeClr>
                 </a:solidFill>
               </a:rPr>
-              <a:t>CURRENT EVENT</a:t>
+              <a:t>DONATION FOR STUDENTS IN RURAL AREA</a:t>
             </a:r>
             <a:endParaRPr lang="en-US" dirty="0">
               <a:solidFill>
@@ -3877,99 +5833,567 @@
           </a:p>
         </p:txBody>
       </p:sp>
-      <p:sp>
-        <p:nvSpPr>
-          <p:cNvPr id="16" name="TextBox 15"/>
-          <p:cNvSpPr txBox="1"/>
+      <p:grpSp>
+        <p:nvGrpSpPr>
+          <p:cNvPr id="28" name="Group 27"/>
+          <p:cNvGrpSpPr/>
+          <p:nvPr/>
+        </p:nvGrpSpPr>
+        <p:grpSpPr>
+          <a:xfrm>
+            <a:off x="399379" y="806823"/>
+            <a:ext cx="685800" cy="5997389"/>
+            <a:chOff x="618565" y="820270"/>
+            <a:chExt cx="685800" cy="5997389"/>
+          </a:xfrm>
+        </p:grpSpPr>
+        <p:sp>
+          <p:nvSpPr>
+            <p:cNvPr id="29" name="Rectangle 28"/>
+            <p:cNvSpPr/>
+            <p:nvPr/>
+          </p:nvSpPr>
+          <p:spPr>
+            <a:xfrm>
+              <a:off x="618565" y="820270"/>
+              <a:ext cx="685800" cy="5997389"/>
+            </a:xfrm>
+            <a:prstGeom prst="rect">
+              <a:avLst/>
+            </a:prstGeom>
+            <a:solidFill>
+              <a:schemeClr val="bg1">
+                <a:lumMod val="85000"/>
+              </a:schemeClr>
+            </a:solidFill>
+            <a:ln>
+              <a:noFill/>
+            </a:ln>
+          </p:spPr>
+          <p:style>
+            <a:lnRef idx="2">
+              <a:schemeClr val="accent1">
+                <a:shade val="50000"/>
+              </a:schemeClr>
+            </a:lnRef>
+            <a:fillRef idx="1">
+              <a:schemeClr val="accent1"/>
+            </a:fillRef>
+            <a:effectRef idx="0">
+              <a:schemeClr val="accent1"/>
+            </a:effectRef>
+            <a:fontRef idx="minor">
+              <a:schemeClr val="lt1"/>
+            </a:fontRef>
+          </p:style>
+          <p:txBody>
+            <a:bodyPr rtlCol="0" anchor="ctr"/>
+            <a:lstStyle/>
+            <a:p>
+              <a:pPr algn="ctr"/>
+              <a:endParaRPr lang="en-US"/>
+            </a:p>
+          </p:txBody>
+        </p:sp>
+        <p:pic>
+          <p:nvPicPr>
+            <p:cNvPr id="30" name="Picture 29"/>
+            <p:cNvPicPr>
+              <a:picLocks noChangeAspect="1"/>
+            </p:cNvPicPr>
+            <p:nvPr/>
+          </p:nvPicPr>
+          <p:blipFill>
+            <a:blip r:embed="rId4" cstate="print">
+              <a:extLst>
+                <a:ext uri="{28A0092B-C50C-407E-A947-70E740481C1C}">
+                  <a14:useLocalDpi xmlns:a14="http://schemas.microsoft.com/office/drawing/2010/main" val="0"/>
+                </a:ext>
+              </a:extLst>
+            </a:blip>
+            <a:stretch>
+              <a:fillRect/>
+            </a:stretch>
+          </p:blipFill>
+          <p:spPr>
+            <a:xfrm>
+              <a:off x="738476" y="5262455"/>
+              <a:ext cx="426625" cy="555807"/>
+            </a:xfrm>
+            <a:prstGeom prst="rect">
+              <a:avLst/>
+            </a:prstGeom>
+          </p:spPr>
+        </p:pic>
+        <p:pic>
+          <p:nvPicPr>
+            <p:cNvPr id="31" name="Picture 30"/>
+            <p:cNvPicPr>
+              <a:picLocks noChangeAspect="1"/>
+            </p:cNvPicPr>
+            <p:nvPr/>
+          </p:nvPicPr>
+          <p:blipFill>
+            <a:blip r:embed="rId5" cstate="print">
+              <a:extLst>
+                <a:ext uri="{28A0092B-C50C-407E-A947-70E740481C1C}">
+                  <a14:useLocalDpi xmlns:a14="http://schemas.microsoft.com/office/drawing/2010/main" val="0"/>
+                </a:ext>
+              </a:extLst>
+            </a:blip>
+            <a:stretch>
+              <a:fillRect/>
+            </a:stretch>
+          </p:blipFill>
+          <p:spPr>
+            <a:xfrm>
+              <a:off x="684463" y="3113946"/>
+              <a:ext cx="569259" cy="569259"/>
+            </a:xfrm>
+            <a:prstGeom prst="rect">
+              <a:avLst/>
+            </a:prstGeom>
+          </p:spPr>
+        </p:pic>
+        <p:pic>
+          <p:nvPicPr>
+            <p:cNvPr id="32" name="Picture 31"/>
+            <p:cNvPicPr>
+              <a:picLocks noChangeAspect="1"/>
+            </p:cNvPicPr>
+            <p:nvPr/>
+          </p:nvPicPr>
+          <p:blipFill>
+            <a:blip r:embed="rId6" cstate="print">
+              <a:extLst>
+                <a:ext uri="{28A0092B-C50C-407E-A947-70E740481C1C}">
+                  <a14:useLocalDpi xmlns:a14="http://schemas.microsoft.com/office/drawing/2010/main" val="0"/>
+                </a:ext>
+              </a:extLst>
+            </a:blip>
+            <a:stretch>
+              <a:fillRect/>
+            </a:stretch>
+          </p:blipFill>
+          <p:spPr>
+            <a:xfrm>
+              <a:off x="703032" y="3793620"/>
+              <a:ext cx="532123" cy="532123"/>
+            </a:xfrm>
+            <a:prstGeom prst="rect">
+              <a:avLst/>
+            </a:prstGeom>
+          </p:spPr>
+        </p:pic>
+        <p:pic>
+          <p:nvPicPr>
+            <p:cNvPr id="33" name="Picture 32"/>
+            <p:cNvPicPr>
+              <a:picLocks noChangeAspect="1"/>
+            </p:cNvPicPr>
+            <p:nvPr/>
+          </p:nvPicPr>
+          <p:blipFill>
+            <a:blip r:embed="rId7" cstate="print">
+              <a:biLevel thresh="50000"/>
+              <a:extLst>
+                <a:ext uri="{28A0092B-C50C-407E-A947-70E740481C1C}">
+                  <a14:useLocalDpi xmlns:a14="http://schemas.microsoft.com/office/drawing/2010/main" val="0"/>
+                </a:ext>
+              </a:extLst>
+            </a:blip>
+            <a:stretch>
+              <a:fillRect/>
+            </a:stretch>
+          </p:blipFill>
+          <p:spPr>
+            <a:xfrm>
+              <a:off x="693729" y="2506958"/>
+              <a:ext cx="569259" cy="569259"/>
+            </a:xfrm>
+            <a:prstGeom prst="rect">
+              <a:avLst/>
+            </a:prstGeom>
+          </p:spPr>
+        </p:pic>
+        <p:grpSp>
+          <p:nvGrpSpPr>
+            <p:cNvPr id="34" name="Group 33"/>
+            <p:cNvGrpSpPr/>
+            <p:nvPr/>
+          </p:nvGrpSpPr>
+          <p:grpSpPr>
+            <a:xfrm>
+              <a:off x="715552" y="1791505"/>
+              <a:ext cx="487431" cy="715453"/>
+              <a:chOff x="3649861" y="4967710"/>
+              <a:chExt cx="581945" cy="959741"/>
+            </a:xfrm>
+          </p:grpSpPr>
+          <p:grpSp>
+            <p:nvGrpSpPr>
+              <p:cNvPr id="37" name="Group 36"/>
+              <p:cNvGrpSpPr/>
+              <p:nvPr/>
+            </p:nvGrpSpPr>
+            <p:grpSpPr>
+              <a:xfrm>
+                <a:off x="3649861" y="4967710"/>
+                <a:ext cx="581945" cy="959741"/>
+                <a:chOff x="3649861" y="4967710"/>
+                <a:chExt cx="581945" cy="959741"/>
+              </a:xfrm>
+            </p:grpSpPr>
+            <p:grpSp>
+              <p:nvGrpSpPr>
+                <p:cNvPr id="39" name="Group 38"/>
+                <p:cNvGrpSpPr/>
+                <p:nvPr/>
+              </p:nvGrpSpPr>
+              <p:grpSpPr>
+                <a:xfrm>
+                  <a:off x="3649861" y="4967710"/>
+                  <a:ext cx="581945" cy="959741"/>
+                  <a:chOff x="4624308" y="4972821"/>
+                  <a:chExt cx="581945" cy="959741"/>
+                </a:xfrm>
+              </p:grpSpPr>
+              <p:pic>
+                <p:nvPicPr>
+                  <p:cNvPr id="41" name="Picture 40"/>
+                  <p:cNvPicPr>
+                    <a:picLocks noChangeAspect="1"/>
+                  </p:cNvPicPr>
+                  <p:nvPr/>
+                </p:nvPicPr>
+                <p:blipFill>
+                  <a:blip r:embed="rId8" cstate="print">
+                    <a:biLevel thresh="50000"/>
+                    <a:extLst>
+                      <a:ext uri="{28A0092B-C50C-407E-A947-70E740481C1C}">
+                        <a14:useLocalDpi xmlns:a14="http://schemas.microsoft.com/office/drawing/2010/main" val="0"/>
+                      </a:ext>
+                    </a:extLst>
+                  </a:blip>
+                  <a:stretch>
+                    <a:fillRect/>
+                  </a:stretch>
+                </p:blipFill>
+                <p:spPr>
+                  <a:xfrm>
+                    <a:off x="4636994" y="4972821"/>
+                    <a:ext cx="569259" cy="569259"/>
+                  </a:xfrm>
+                  <a:prstGeom prst="rect">
+                    <a:avLst/>
+                  </a:prstGeom>
+                </p:spPr>
+              </p:pic>
+              <p:pic>
+                <p:nvPicPr>
+                  <p:cNvPr id="42" name="Picture 41"/>
+                  <p:cNvPicPr>
+                    <a:picLocks noChangeAspect="1"/>
+                  </p:cNvPicPr>
+                  <p:nvPr/>
+                </p:nvPicPr>
+                <p:blipFill>
+                  <a:blip r:embed="rId5" cstate="print">
+                    <a:extLst>
+                      <a:ext uri="{28A0092B-C50C-407E-A947-70E740481C1C}">
+                        <a14:useLocalDpi xmlns:a14="http://schemas.microsoft.com/office/drawing/2010/main" val="0"/>
+                      </a:ext>
+                    </a:extLst>
+                  </a:blip>
+                  <a:stretch>
+                    <a:fillRect/>
+                  </a:stretch>
+                </p:blipFill>
+                <p:spPr>
+                  <a:xfrm>
+                    <a:off x="4624308" y="5363303"/>
+                    <a:ext cx="569259" cy="569259"/>
+                  </a:xfrm>
+                  <a:prstGeom prst="rect">
+                    <a:avLst/>
+                  </a:prstGeom>
+                </p:spPr>
+              </p:pic>
+            </p:grpSp>
+            <p:sp>
+              <p:nvSpPr>
+                <p:cNvPr id="40" name="Freeform 39"/>
+                <p:cNvSpPr/>
+                <p:nvPr/>
+              </p:nvSpPr>
+              <p:spPr>
+                <a:xfrm>
+                  <a:off x="3709359" y="5400136"/>
+                  <a:ext cx="51759" cy="94890"/>
+                </a:xfrm>
+                <a:custGeom>
+                  <a:avLst/>
+                  <a:gdLst>
+                    <a:gd name="connsiteX0" fmla="*/ 0 w 51759"/>
+                    <a:gd name="connsiteY0" fmla="*/ 0 h 94890"/>
+                    <a:gd name="connsiteX1" fmla="*/ 34506 w 51759"/>
+                    <a:gd name="connsiteY1" fmla="*/ 86264 h 94890"/>
+                    <a:gd name="connsiteX2" fmla="*/ 51759 w 51759"/>
+                    <a:gd name="connsiteY2" fmla="*/ 94890 h 94890"/>
+                  </a:gdLst>
+                  <a:ahLst/>
+                  <a:cxnLst>
+                    <a:cxn ang="0">
+                      <a:pos x="connsiteX0" y="connsiteY0"/>
+                    </a:cxn>
+                    <a:cxn ang="0">
+                      <a:pos x="connsiteX1" y="connsiteY1"/>
+                    </a:cxn>
+                    <a:cxn ang="0">
+                      <a:pos x="connsiteX2" y="connsiteY2"/>
+                    </a:cxn>
+                  </a:cxnLst>
+                  <a:rect l="l" t="t" r="r" b="b"/>
+                  <a:pathLst>
+                    <a:path w="51759" h="94890">
+                      <a:moveTo>
+                        <a:pt x="0" y="0"/>
+                      </a:moveTo>
+                      <a:cubicBezTo>
+                        <a:pt x="9003" y="72017"/>
+                        <a:pt x="-10255" y="59408"/>
+                        <a:pt x="34506" y="86264"/>
+                      </a:cubicBezTo>
+                      <a:cubicBezTo>
+                        <a:pt x="40019" y="89572"/>
+                        <a:pt x="46008" y="92015"/>
+                        <a:pt x="51759" y="94890"/>
+                      </a:cubicBezTo>
+                    </a:path>
+                  </a:pathLst>
+                </a:custGeom>
+                <a:noFill/>
+                <a:ln w="19050">
+                  <a:solidFill>
+                    <a:schemeClr val="tx1"/>
+                  </a:solidFill>
+                </a:ln>
+              </p:spPr>
+              <p:style>
+                <a:lnRef idx="2">
+                  <a:schemeClr val="accent1">
+                    <a:shade val="50000"/>
+                  </a:schemeClr>
+                </a:lnRef>
+                <a:fillRef idx="1">
+                  <a:schemeClr val="accent1"/>
+                </a:fillRef>
+                <a:effectRef idx="0">
+                  <a:schemeClr val="accent1"/>
+                </a:effectRef>
+                <a:fontRef idx="minor">
+                  <a:schemeClr val="lt1"/>
+                </a:fontRef>
+              </p:style>
+              <p:txBody>
+                <a:bodyPr rtlCol="0" anchor="ctr"/>
+                <a:lstStyle/>
+                <a:p>
+                  <a:pPr algn="ctr"/>
+                  <a:endParaRPr lang="en-US"/>
+                </a:p>
+              </p:txBody>
+            </p:sp>
+          </p:grpSp>
+          <p:sp>
+            <p:nvSpPr>
+              <p:cNvPr id="38" name="Freeform 37"/>
+              <p:cNvSpPr/>
+              <p:nvPr/>
+            </p:nvSpPr>
+            <p:spPr>
+              <a:xfrm flipH="1">
+                <a:off x="4108076" y="5385531"/>
+                <a:ext cx="90241" cy="109495"/>
+              </a:xfrm>
+              <a:custGeom>
+                <a:avLst/>
+                <a:gdLst>
+                  <a:gd name="connsiteX0" fmla="*/ 0 w 51759"/>
+                  <a:gd name="connsiteY0" fmla="*/ 0 h 94890"/>
+                  <a:gd name="connsiteX1" fmla="*/ 34506 w 51759"/>
+                  <a:gd name="connsiteY1" fmla="*/ 86264 h 94890"/>
+                  <a:gd name="connsiteX2" fmla="*/ 51759 w 51759"/>
+                  <a:gd name="connsiteY2" fmla="*/ 94890 h 94890"/>
+                </a:gdLst>
+                <a:ahLst/>
+                <a:cxnLst>
+                  <a:cxn ang="0">
+                    <a:pos x="connsiteX0" y="connsiteY0"/>
+                  </a:cxn>
+                  <a:cxn ang="0">
+                    <a:pos x="connsiteX1" y="connsiteY1"/>
+                  </a:cxn>
+                  <a:cxn ang="0">
+                    <a:pos x="connsiteX2" y="connsiteY2"/>
+                  </a:cxn>
+                </a:cxnLst>
+                <a:rect l="l" t="t" r="r" b="b"/>
+                <a:pathLst>
+                  <a:path w="51759" h="94890">
+                    <a:moveTo>
+                      <a:pt x="0" y="0"/>
+                    </a:moveTo>
+                    <a:cubicBezTo>
+                      <a:pt x="9003" y="72017"/>
+                      <a:pt x="-10255" y="59408"/>
+                      <a:pt x="34506" y="86264"/>
+                    </a:cubicBezTo>
+                    <a:cubicBezTo>
+                      <a:pt x="40019" y="89572"/>
+                      <a:pt x="46008" y="92015"/>
+                      <a:pt x="51759" y="94890"/>
+                    </a:cubicBezTo>
+                  </a:path>
+                </a:pathLst>
+              </a:custGeom>
+              <a:noFill/>
+              <a:ln w="19050">
+                <a:solidFill>
+                  <a:schemeClr val="tx1"/>
+                </a:solidFill>
+              </a:ln>
+            </p:spPr>
+            <p:style>
+              <a:lnRef idx="2">
+                <a:schemeClr val="accent1">
+                  <a:shade val="50000"/>
+                </a:schemeClr>
+              </a:lnRef>
+              <a:fillRef idx="1">
+                <a:schemeClr val="accent1"/>
+              </a:fillRef>
+              <a:effectRef idx="0">
+                <a:schemeClr val="accent1"/>
+              </a:effectRef>
+              <a:fontRef idx="minor">
+                <a:schemeClr val="lt1"/>
+              </a:fontRef>
+            </p:style>
+            <p:txBody>
+              <a:bodyPr rtlCol="0" anchor="ctr"/>
+              <a:lstStyle/>
+              <a:p>
+                <a:pPr algn="ctr"/>
+                <a:endParaRPr lang="en-US"/>
+              </a:p>
+            </p:txBody>
+          </p:sp>
+        </p:grpSp>
+        <p:pic>
+          <p:nvPicPr>
+            <p:cNvPr id="35" name="Picture 34"/>
+            <p:cNvPicPr>
+              <a:picLocks noChangeAspect="1"/>
+            </p:cNvPicPr>
+            <p:nvPr/>
+          </p:nvPicPr>
+          <p:blipFill>
+            <a:blip r:embed="rId9" cstate="print">
+              <a:extLst>
+                <a:ext uri="{28A0092B-C50C-407E-A947-70E740481C1C}">
+                  <a14:useLocalDpi xmlns:a14="http://schemas.microsoft.com/office/drawing/2010/main" val="0"/>
+                </a:ext>
+              </a:extLst>
+            </a:blip>
+            <a:stretch>
+              <a:fillRect/>
+            </a:stretch>
+          </p:blipFill>
+          <p:spPr>
+            <a:xfrm>
+              <a:off x="703032" y="1034476"/>
+              <a:ext cx="497515" cy="497515"/>
+            </a:xfrm>
+            <a:prstGeom prst="rect">
+              <a:avLst/>
+            </a:prstGeom>
+          </p:spPr>
+        </p:pic>
+        <p:pic>
+          <p:nvPicPr>
+            <p:cNvPr id="36" name="Picture 35"/>
+            <p:cNvPicPr>
+              <a:picLocks noChangeAspect="1"/>
+            </p:cNvPicPr>
+            <p:nvPr/>
+          </p:nvPicPr>
+          <p:blipFill>
+            <a:blip r:embed="rId10" cstate="print">
+              <a:extLst>
+                <a:ext uri="{28A0092B-C50C-407E-A947-70E740481C1C}">
+                  <a14:useLocalDpi xmlns:a14="http://schemas.microsoft.com/office/drawing/2010/main" val="0"/>
+                </a:ext>
+              </a:extLst>
+            </a:blip>
+            <a:stretch>
+              <a:fillRect/>
+            </a:stretch>
+          </p:blipFill>
+          <p:spPr>
+            <a:xfrm>
+              <a:off x="698461" y="4619917"/>
+              <a:ext cx="521034" cy="521034"/>
+            </a:xfrm>
+            <a:prstGeom prst="rect">
+              <a:avLst/>
+            </a:prstGeom>
+          </p:spPr>
+        </p:pic>
+      </p:grpSp>
+      <p:sp>
+        <p:nvSpPr>
+          <p:cNvPr id="2" name="Rectangle 1"/>
+          <p:cNvSpPr/>
           <p:nvPr/>
         </p:nvSpPr>
         <p:spPr>
           <a:xfrm>
-            <a:off x="1089212" y="3311566"/>
-            <a:ext cx="2832847" cy="369332"/>
+            <a:off x="1100435" y="2763734"/>
+            <a:ext cx="1425553" cy="1842735"/>
           </a:xfrm>
           <a:prstGeom prst="rect">
             <a:avLst/>
           </a:prstGeom>
           <a:solidFill>
-            <a:srgbClr val="2E8CE2"/>
+            <a:schemeClr val="bg1"/>
           </a:solidFill>
           <a:ln>
             <a:noFill/>
           </a:ln>
         </p:spPr>
-        <p:txBody>
-          <a:bodyPr wrap="square" rtlCol="0">
-            <a:spAutoFit/>
-          </a:bodyPr>
+        <p:style>
+          <a:lnRef idx="2">
+            <a:schemeClr val="accent1">
+              <a:shade val="50000"/>
+            </a:schemeClr>
+          </a:lnRef>
+          <a:fillRef idx="1">
+            <a:schemeClr val="accent1"/>
+          </a:fillRef>
+          <a:effectRef idx="0">
+            <a:schemeClr val="accent1"/>
+          </a:effectRef>
+          <a:fontRef idx="minor">
+            <a:schemeClr val="lt1"/>
+          </a:fontRef>
+        </p:style>
+        <p:txBody>
+          <a:bodyPr rtlCol="0" anchor="ctr"/>
           <a:lstStyle/>
           <a:p>
             <a:pPr algn="ctr"/>
-            <a:r>
-              <a:rPr lang="en-US" dirty="0" smtClean="0">
-                <a:solidFill>
-                  <a:schemeClr val="bg1">
-                    <a:lumMod val="95000"/>
-                  </a:schemeClr>
-                </a:solidFill>
-              </a:rPr>
-              <a:t>PREVIOUS</a:t>
-            </a:r>
-            <a:endParaRPr lang="en-US" dirty="0">
-              <a:solidFill>
-                <a:schemeClr val="bg1">
-                  <a:lumMod val="95000"/>
-                </a:schemeClr>
-              </a:solidFill>
-            </a:endParaRPr>
-          </a:p>
-        </p:txBody>
-      </p:sp>
-      <p:sp>
-        <p:nvSpPr>
-          <p:cNvPr id="17" name="TextBox 16"/>
-          <p:cNvSpPr txBox="1"/>
-          <p:nvPr/>
-        </p:nvSpPr>
-        <p:spPr>
-          <a:xfrm>
-            <a:off x="7595346" y="3334869"/>
-            <a:ext cx="2832847" cy="369332"/>
-          </a:xfrm>
-          <a:prstGeom prst="rect">
-            <a:avLst/>
-          </a:prstGeom>
-          <a:solidFill>
-            <a:srgbClr val="2E8CE2"/>
-          </a:solidFill>
-          <a:ln>
-            <a:noFill/>
-          </a:ln>
-        </p:spPr>
-        <p:txBody>
-          <a:bodyPr wrap="square" rtlCol="0">
-            <a:spAutoFit/>
-          </a:bodyPr>
-          <a:lstStyle/>
-          <a:p>
-            <a:pPr algn="ctr"/>
-            <a:r>
-              <a:rPr lang="en-US" dirty="0" smtClean="0">
-                <a:solidFill>
-                  <a:schemeClr val="bg1">
-                    <a:lumMod val="95000"/>
-                  </a:schemeClr>
-                </a:solidFill>
-              </a:rPr>
-              <a:t>UPCOMMING</a:t>
-            </a:r>
-            <a:endParaRPr lang="en-US" dirty="0">
-              <a:solidFill>
-                <a:schemeClr val="bg1">
-                  <a:lumMod val="95000"/>
-                </a:schemeClr>
-              </a:solidFill>
-            </a:endParaRPr>
+            <a:endParaRPr lang="en-US"/>
           </a:p>
         </p:txBody>
       </p:sp>
@@ -3982,7 +6406,7 @@
           <p:nvPr/>
         </p:nvPicPr>
         <p:blipFill>
-          <a:blip r:embed="rId4" cstate="print">
+          <a:blip r:embed="rId11" cstate="print">
             <a:duotone>
               <a:schemeClr val="accent1">
                 <a:shade val="45000"/>
@@ -4002,7 +6426,7 @@
         </p:blipFill>
         <p:spPr>
           <a:xfrm>
-            <a:off x="5026339" y="3493587"/>
+            <a:off x="1118966" y="2870404"/>
             <a:ext cx="1414802" cy="1414802"/>
           </a:xfrm>
           <a:prstGeom prst="rect">
@@ -4012,66 +6436,45 @@
       </p:pic>
       <p:sp>
         <p:nvSpPr>
-          <p:cNvPr id="19" name="TextBox 18"/>
-          <p:cNvSpPr txBox="1"/>
+          <p:cNvPr id="43" name="Rectangle 42"/>
+          <p:cNvSpPr/>
           <p:nvPr/>
         </p:nvSpPr>
         <p:spPr>
           <a:xfrm>
-            <a:off x="4370294" y="5056094"/>
-            <a:ext cx="2877671" cy="646331"/>
+            <a:off x="6323991" y="3385128"/>
+            <a:ext cx="1582311" cy="468429"/>
           </a:xfrm>
           <a:prstGeom prst="rect">
             <a:avLst/>
           </a:prstGeom>
-          <a:noFill/>
-        </p:spPr>
-        <p:txBody>
-          <a:bodyPr wrap="square" rtlCol="0">
-            <a:spAutoFit/>
-          </a:bodyPr>
-          <a:lstStyle/>
-          <a:p>
-            <a:pPr algn="ctr"/>
-            <a:r>
-              <a:rPr lang="en-US" dirty="0" smtClean="0">
-                <a:solidFill>
-                  <a:schemeClr val="bg1">
-                    <a:lumMod val="95000"/>
-                  </a:schemeClr>
-                </a:solidFill>
-              </a:rPr>
-              <a:t>CANCER HOSPITAL DONATION</a:t>
-            </a:r>
-            <a:endParaRPr lang="en-US" dirty="0">
-              <a:solidFill>
-                <a:schemeClr val="bg1">
-                  <a:lumMod val="95000"/>
-                </a:schemeClr>
-              </a:solidFill>
-            </a:endParaRPr>
-          </a:p>
-        </p:txBody>
-      </p:sp>
-      <p:sp>
-        <p:nvSpPr>
-          <p:cNvPr id="20" name="Rectangle 19"/>
-          <p:cNvSpPr/>
-          <p:nvPr/>
-        </p:nvSpPr>
-        <p:spPr>
-          <a:xfrm>
-            <a:off x="4693024" y="5675531"/>
-            <a:ext cx="2232211" cy="496669"/>
-          </a:xfrm>
-          <a:prstGeom prst="rect">
-            <a:avLst/>
-          </a:prstGeom>
-          <a:solidFill>
-            <a:schemeClr val="accent1">
-              <a:lumMod val="50000"/>
-            </a:schemeClr>
-          </a:solidFill>
+          <a:gradFill flip="none" rotWithShape="1">
+            <a:gsLst>
+              <a:gs pos="0">
+                <a:srgbClr val="E44C50">
+                  <a:shade val="30000"/>
+                  <a:satMod val="115000"/>
+                </a:srgbClr>
+              </a:gs>
+              <a:gs pos="50000">
+                <a:srgbClr val="E44C50">
+                  <a:shade val="67500"/>
+                  <a:satMod val="115000"/>
+                </a:srgbClr>
+              </a:gs>
+              <a:gs pos="100000">
+                <a:srgbClr val="E44C50">
+                  <a:shade val="100000"/>
+                  <a:satMod val="115000"/>
+                </a:srgbClr>
+              </a:gs>
+            </a:gsLst>
+            <a:lin ang="13500000" scaled="1"/>
+            <a:tileRect/>
+          </a:gradFill>
+          <a:ln>
+            <a:noFill/>
+          </a:ln>
         </p:spPr>
         <p:style>
           <a:lnRef idx="2">
@@ -4096,75 +6499,7 @@
             <a:pPr algn="ctr"/>
             <a:r>
               <a:rPr lang="en-US" dirty="0" smtClean="0"/>
-              <a:t>DETAILS</a:t>
-            </a:r>
-            <a:endParaRPr lang="en-US" dirty="0"/>
-          </a:p>
-        </p:txBody>
-      </p:sp>
-      <p:sp>
-        <p:nvSpPr>
-          <p:cNvPr id="21" name="Rectangle 20"/>
-          <p:cNvSpPr/>
-          <p:nvPr/>
-        </p:nvSpPr>
-        <p:spPr>
-          <a:xfrm>
-            <a:off x="4704229" y="6266765"/>
-            <a:ext cx="2232211" cy="496669"/>
-          </a:xfrm>
-          <a:prstGeom prst="rect">
-            <a:avLst/>
-          </a:prstGeom>
-          <a:gradFill flip="none" rotWithShape="1">
-            <a:gsLst>
-              <a:gs pos="0">
-                <a:srgbClr val="E32D2D">
-                  <a:shade val="30000"/>
-                  <a:satMod val="115000"/>
-                </a:srgbClr>
-              </a:gs>
-              <a:gs pos="50000">
-                <a:srgbClr val="E32D2D">
-                  <a:shade val="67500"/>
-                  <a:satMod val="115000"/>
-                </a:srgbClr>
-              </a:gs>
-              <a:gs pos="100000">
-                <a:srgbClr val="E32D2D">
-                  <a:shade val="100000"/>
-                  <a:satMod val="115000"/>
-                </a:srgbClr>
-              </a:gs>
-            </a:gsLst>
-            <a:lin ang="13500000" scaled="1"/>
-            <a:tileRect/>
-          </a:gradFill>
-        </p:spPr>
-        <p:style>
-          <a:lnRef idx="2">
-            <a:schemeClr val="accent1">
-              <a:shade val="50000"/>
-            </a:schemeClr>
-          </a:lnRef>
-          <a:fillRef idx="1">
-            <a:schemeClr val="accent1"/>
-          </a:fillRef>
-          <a:effectRef idx="0">
-            <a:schemeClr val="accent1"/>
-          </a:effectRef>
-          <a:fontRef idx="minor">
-            <a:schemeClr val="lt1"/>
-          </a:fontRef>
-        </p:style>
-        <p:txBody>
-          <a:bodyPr rtlCol="0" anchor="ctr"/>
-          <a:lstStyle/>
-          <a:p>
-            <a:pPr algn="ctr"/>
-            <a:r>
-              <a:rPr lang="en-US" dirty="0" smtClean="0"/>
-              <a:t>DONATE NOW</a:t>
+              <a:t>Donate</a:t>
             </a:r>
             <a:endParaRPr lang="en-US" dirty="0"/>
           </a:p>
@@ -4172,22 +6507,25 @@
       </p:sp>
       <p:pic>
         <p:nvPicPr>
-          <p:cNvPr id="22" name="Picture 21"/>
+          <p:cNvPr id="3" name="Picture 2"/>
           <p:cNvPicPr>
             <a:picLocks noChangeAspect="1"/>
           </p:cNvPicPr>
           <p:nvPr/>
         </p:nvPicPr>
         <p:blipFill>
-          <a:blip r:embed="rId4" cstate="print">
-            <a:duotone>
-              <a:schemeClr val="accent1">
-                <a:shade val="45000"/>
-                <a:satMod val="135000"/>
-              </a:schemeClr>
-              <a:prstClr val="white"/>
-            </a:duotone>
+          <a:blip r:embed="rId12" cstate="print">
+            <a:lum bright="70000" contrast="-70000"/>
             <a:extLst>
+              <a:ext uri="{BEBA8EAE-BF5A-486C-A8C5-ECC9F3942E4B}">
+                <a14:imgProps xmlns:a14="http://schemas.microsoft.com/office/drawing/2010/main">
+                  <a14:imgLayer r:embed="rId13">
+                    <a14:imgEffect>
+                      <a14:colorTemperature colorTemp="7200"/>
+                    </a14:imgEffect>
+                  </a14:imgLayer>
+                </a14:imgProps>
+              </a:ext>
               <a:ext uri="{28A0092B-C50C-407E-A947-70E740481C1C}">
                 <a14:useLocalDpi xmlns:a14="http://schemas.microsoft.com/office/drawing/2010/main" val="0"/>
               </a:ext>
@@ -4199,229 +6537,14 @@
         </p:blipFill>
         <p:spPr>
           <a:xfrm>
-            <a:off x="1798425" y="3814422"/>
-            <a:ext cx="1414802" cy="1414802"/>
+            <a:off x="6316211" y="3353013"/>
+            <a:ext cx="534183" cy="532658"/>
           </a:xfrm>
           <a:prstGeom prst="rect">
             <a:avLst/>
           </a:prstGeom>
         </p:spPr>
       </p:pic>
-      <p:sp>
-        <p:nvSpPr>
-          <p:cNvPr id="23" name="TextBox 22"/>
-          <p:cNvSpPr txBox="1"/>
-          <p:nvPr/>
-        </p:nvSpPr>
-        <p:spPr>
-          <a:xfrm>
-            <a:off x="1142380" y="5376929"/>
-            <a:ext cx="2877671" cy="646331"/>
-          </a:xfrm>
-          <a:prstGeom prst="rect">
-            <a:avLst/>
-          </a:prstGeom>
-          <a:noFill/>
-        </p:spPr>
-        <p:txBody>
-          <a:bodyPr wrap="square" rtlCol="0">
-            <a:spAutoFit/>
-          </a:bodyPr>
-          <a:lstStyle/>
-          <a:p>
-            <a:pPr algn="ctr"/>
-            <a:r>
-              <a:rPr lang="en-US" dirty="0" smtClean="0">
-                <a:solidFill>
-                  <a:schemeClr val="bg1">
-                    <a:lumMod val="95000"/>
-                  </a:schemeClr>
-                </a:solidFill>
-              </a:rPr>
-              <a:t>CANCER HOSPITAL DONATION</a:t>
-            </a:r>
-            <a:endParaRPr lang="en-US" dirty="0">
-              <a:solidFill>
-                <a:schemeClr val="bg1">
-                  <a:lumMod val="95000"/>
-                </a:schemeClr>
-              </a:solidFill>
-            </a:endParaRPr>
-          </a:p>
-        </p:txBody>
-      </p:sp>
-      <p:sp>
-        <p:nvSpPr>
-          <p:cNvPr id="24" name="Rectangle 23"/>
-          <p:cNvSpPr/>
-          <p:nvPr/>
-        </p:nvSpPr>
-        <p:spPr>
-          <a:xfrm>
-            <a:off x="1465109" y="6119614"/>
-            <a:ext cx="2232211" cy="496669"/>
-          </a:xfrm>
-          <a:prstGeom prst="rect">
-            <a:avLst/>
-          </a:prstGeom>
-          <a:solidFill>
-            <a:schemeClr val="accent1">
-              <a:lumMod val="75000"/>
-            </a:schemeClr>
-          </a:solidFill>
-        </p:spPr>
-        <p:style>
-          <a:lnRef idx="2">
-            <a:schemeClr val="accent1">
-              <a:shade val="50000"/>
-            </a:schemeClr>
-          </a:lnRef>
-          <a:fillRef idx="1">
-            <a:schemeClr val="accent1"/>
-          </a:fillRef>
-          <a:effectRef idx="0">
-            <a:schemeClr val="accent1"/>
-          </a:effectRef>
-          <a:fontRef idx="minor">
-            <a:schemeClr val="lt1"/>
-          </a:fontRef>
-        </p:style>
-        <p:txBody>
-          <a:bodyPr rtlCol="0" anchor="ctr"/>
-          <a:lstStyle/>
-          <a:p>
-            <a:pPr algn="ctr"/>
-            <a:r>
-              <a:rPr lang="en-US" dirty="0" smtClean="0"/>
-              <a:t>DETAILS</a:t>
-            </a:r>
-            <a:endParaRPr lang="en-US" dirty="0"/>
-          </a:p>
-        </p:txBody>
-      </p:sp>
-      <p:pic>
-        <p:nvPicPr>
-          <p:cNvPr id="25" name="Picture 24"/>
-          <p:cNvPicPr>
-            <a:picLocks noChangeAspect="1"/>
-          </p:cNvPicPr>
-          <p:nvPr/>
-        </p:nvPicPr>
-        <p:blipFill>
-          <a:blip r:embed="rId5" cstate="print">
-            <a:lum bright="70000" contrast="-70000"/>
-            <a:extLst>
-              <a:ext uri="{28A0092B-C50C-407E-A947-70E740481C1C}">
-                <a14:useLocalDpi xmlns:a14="http://schemas.microsoft.com/office/drawing/2010/main" val="0"/>
-              </a:ext>
-            </a:extLst>
-          </a:blip>
-          <a:stretch>
-            <a:fillRect/>
-          </a:stretch>
-        </p:blipFill>
-        <p:spPr>
-          <a:xfrm>
-            <a:off x="8150608" y="3774891"/>
-            <a:ext cx="1547509" cy="1547509"/>
-          </a:xfrm>
-          <a:prstGeom prst="rect">
-            <a:avLst/>
-          </a:prstGeom>
-        </p:spPr>
-      </p:pic>
-      <p:sp>
-        <p:nvSpPr>
-          <p:cNvPr id="26" name="TextBox 25"/>
-          <p:cNvSpPr txBox="1"/>
-          <p:nvPr/>
-        </p:nvSpPr>
-        <p:spPr>
-          <a:xfrm>
-            <a:off x="7539316" y="5393090"/>
-            <a:ext cx="2877671" cy="646331"/>
-          </a:xfrm>
-          <a:prstGeom prst="rect">
-            <a:avLst/>
-          </a:prstGeom>
-          <a:noFill/>
-        </p:spPr>
-        <p:txBody>
-          <a:bodyPr wrap="square" rtlCol="0">
-            <a:spAutoFit/>
-          </a:bodyPr>
-          <a:lstStyle/>
-          <a:p>
-            <a:pPr algn="ctr"/>
-            <a:r>
-              <a:rPr lang="en-US" dirty="0" smtClean="0">
-                <a:solidFill>
-                  <a:schemeClr val="bg1">
-                    <a:lumMod val="95000"/>
-                  </a:schemeClr>
-                </a:solidFill>
-              </a:rPr>
-              <a:t>DONATION FOR STUDENTS IN RURAL AREA</a:t>
-            </a:r>
-            <a:endParaRPr lang="en-US" dirty="0">
-              <a:solidFill>
-                <a:schemeClr val="bg1">
-                  <a:lumMod val="95000"/>
-                </a:schemeClr>
-              </a:solidFill>
-            </a:endParaRPr>
-          </a:p>
-        </p:txBody>
-      </p:sp>
-      <p:sp>
-        <p:nvSpPr>
-          <p:cNvPr id="27" name="Rectangle 26"/>
-          <p:cNvSpPr/>
-          <p:nvPr/>
-        </p:nvSpPr>
-        <p:spPr>
-          <a:xfrm>
-            <a:off x="7933765" y="6138072"/>
-            <a:ext cx="2232211" cy="496669"/>
-          </a:xfrm>
-          <a:prstGeom prst="rect">
-            <a:avLst/>
-          </a:prstGeom>
-          <a:solidFill>
-            <a:schemeClr val="accent1">
-              <a:lumMod val="75000"/>
-            </a:schemeClr>
-          </a:solidFill>
-        </p:spPr>
-        <p:style>
-          <a:lnRef idx="2">
-            <a:schemeClr val="accent1">
-              <a:shade val="50000"/>
-            </a:schemeClr>
-          </a:lnRef>
-          <a:fillRef idx="1">
-            <a:schemeClr val="accent1"/>
-          </a:fillRef>
-          <a:effectRef idx="0">
-            <a:schemeClr val="accent1"/>
-          </a:effectRef>
-          <a:fontRef idx="minor">
-            <a:schemeClr val="lt1"/>
-          </a:fontRef>
-        </p:style>
-        <p:txBody>
-          <a:bodyPr rtlCol="0" anchor="ctr"/>
-          <a:lstStyle/>
-          <a:p>
-            <a:pPr algn="ctr"/>
-            <a:r>
-              <a:rPr lang="en-US" dirty="0" smtClean="0"/>
-              <a:t>DETAILS</a:t>
-            </a:r>
-            <a:endParaRPr lang="en-US" dirty="0"/>
-          </a:p>
-        </p:txBody>
-      </p:sp>
     </p:spTree>
     <p:extLst>
       <p:ext uri="{BB962C8B-B14F-4D97-AF65-F5344CB8AC3E}">
